--- a/PPT/J9-输入输出流.pptx
+++ b/PPT/J9-输入输出流.pptx
@@ -4261,7 +4261,7 @@
             <a:buNone/>
           </a:pPr>
           <a:r>
-            <a:rPr lang="zh-CN" sz="4500" b="1" kern="1200" dirty="0">
+            <a:rPr lang="en-US" altLang="zh-CN" sz="4500" b="1" kern="1200" dirty="0">
               <a:solidFill>
                 <a:schemeClr val="bg1"/>
               </a:solidFill>
@@ -4273,7 +4273,7 @@
             <a:t>I/O</a:t>
           </a:r>
           <a:r>
-            <a:rPr lang="zh-CN" sz="4500" kern="1200" dirty="0">
+            <a:rPr lang="zh-CN" altLang="en-US" sz="4500" kern="1200" dirty="0">
               <a:solidFill>
                 <a:schemeClr val="bg1"/>
               </a:solidFill>
@@ -4284,7 +4284,7 @@
             </a:rPr>
             <a:t>基本原理</a:t>
           </a:r>
-          <a:endParaRPr lang="zh-CN" sz="4500" kern="1200" dirty="0">
+          <a:endParaRPr lang="zh-CN" altLang="en-US" sz="4500" kern="1200" dirty="0">
             <a:solidFill>
               <a:schemeClr val="bg1"/>
             </a:solidFill>
@@ -4407,7 +4407,7 @@
             <a:buNone/>
           </a:pPr>
           <a:r>
-            <a:rPr lang="zh-CN" sz="4500" kern="1200" dirty="0">
+            <a:rPr lang="zh-CN" altLang="en-US" sz="4500" kern="1200" dirty="0">
               <a:solidFill>
                 <a:schemeClr val="bg1"/>
               </a:solidFill>
@@ -4418,7 +4418,7 @@
             <a:t>文件及文件</a:t>
           </a:r>
           <a:r>
-            <a:rPr lang="zh-CN" sz="4500" b="1" kern="1200" dirty="0">
+            <a:rPr lang="en-US" altLang="zh-CN" sz="4500" b="1" kern="1200" dirty="0">
               <a:solidFill>
                 <a:schemeClr val="bg1"/>
               </a:solidFill>
@@ -4428,7 +4428,7 @@
             </a:rPr>
             <a:t>I/O</a:t>
           </a:r>
-          <a:endParaRPr lang="zh-CN" altLang="zh-CN" sz="4500" kern="1200" dirty="0">
+          <a:endParaRPr lang="zh-CN" altLang="en-US" sz="4500" kern="1200" dirty="0">
             <a:solidFill>
               <a:schemeClr val="bg1"/>
             </a:solidFill>
@@ -4554,7 +4554,7 @@
             <a:buNone/>
           </a:pPr>
           <a:r>
-            <a:rPr lang="zh-CN" sz="4500" kern="1200" dirty="0">
+            <a:rPr lang="zh-CN" altLang="en-US" sz="4500" kern="1200" dirty="0">
               <a:solidFill>
                 <a:schemeClr val="bg1"/>
               </a:solidFill>
@@ -4564,7 +4564,7 @@
             </a:rPr>
             <a:t>字节流和字符流</a:t>
           </a:r>
-          <a:endParaRPr lang="zh-CN" altLang="zh-CN" sz="4500" kern="1200" dirty="0">
+          <a:endParaRPr lang="zh-CN" altLang="en-US" sz="4500" kern="1200" dirty="0">
             <a:solidFill>
               <a:schemeClr val="bg1"/>
             </a:solidFill>
@@ -4690,7 +4690,7 @@
             <a:buNone/>
           </a:pPr>
           <a:r>
-            <a:rPr lang="zh-CN" sz="4500" kern="1200" dirty="0">
+            <a:rPr lang="zh-CN" altLang="en-US" sz="4500" kern="1200" dirty="0">
               <a:solidFill>
                 <a:schemeClr val="bg1"/>
               </a:solidFill>
@@ -4701,7 +4701,7 @@
             </a:rPr>
             <a:t>管道输入输出流类</a:t>
           </a:r>
-          <a:endParaRPr lang="zh-CN" altLang="zh-CN" sz="4500" kern="1200" dirty="0">
+          <a:endParaRPr lang="zh-CN" altLang="en-US" sz="4500" kern="1200" dirty="0">
             <a:solidFill>
               <a:schemeClr val="bg1"/>
             </a:solidFill>
@@ -4839,7 +4839,7 @@
             <a:buNone/>
           </a:pPr>
           <a:r>
-            <a:rPr lang="zh-CN" sz="4500" b="1" kern="1200" dirty="0">
+            <a:rPr lang="en-US" altLang="zh-CN" sz="4500" b="1" kern="1200" dirty="0">
               <a:solidFill>
                 <a:schemeClr val="bg1"/>
               </a:solidFill>
@@ -4851,7 +4851,7 @@
             <a:t>I/O</a:t>
           </a:r>
           <a:r>
-            <a:rPr lang="zh-CN" sz="4500" kern="1200" dirty="0">
+            <a:rPr lang="zh-CN" altLang="en-US" sz="4500" kern="1200" dirty="0">
               <a:solidFill>
                 <a:schemeClr val="bg1"/>
               </a:solidFill>
@@ -4862,7 +4862,7 @@
             </a:rPr>
             <a:t>基本原理</a:t>
           </a:r>
-          <a:endParaRPr lang="zh-CN" sz="4500" kern="1200" dirty="0">
+          <a:endParaRPr lang="zh-CN" altLang="en-US" sz="4500" kern="1200" dirty="0">
             <a:solidFill>
               <a:schemeClr val="bg1"/>
             </a:solidFill>
@@ -4988,7 +4988,7 @@
             <a:buNone/>
           </a:pPr>
           <a:r>
-            <a:rPr lang="zh-CN" sz="4500" kern="1200" dirty="0">
+            <a:rPr lang="zh-CN" altLang="en-US" sz="4500" kern="1200" dirty="0">
               <a:solidFill>
                 <a:schemeClr val="bg1"/>
               </a:solidFill>
@@ -4999,7 +4999,7 @@
             <a:t>文件及文件</a:t>
           </a:r>
           <a:r>
-            <a:rPr lang="zh-CN" sz="4500" b="1" kern="1200" dirty="0">
+            <a:rPr lang="en-US" altLang="zh-CN" sz="4500" b="1" kern="1200" dirty="0">
               <a:solidFill>
                 <a:schemeClr val="bg1"/>
               </a:solidFill>
@@ -5009,7 +5009,7 @@
             </a:rPr>
             <a:t>I/O</a:t>
           </a:r>
-          <a:endParaRPr lang="zh-CN" altLang="zh-CN" sz="4500" kern="1200" dirty="0">
+          <a:endParaRPr lang="zh-CN" altLang="en-US" sz="4500" kern="1200" dirty="0">
             <a:solidFill>
               <a:schemeClr val="bg1"/>
             </a:solidFill>
@@ -5132,7 +5132,7 @@
             <a:buNone/>
           </a:pPr>
           <a:r>
-            <a:rPr lang="zh-CN" sz="4500" kern="1200" dirty="0">
+            <a:rPr lang="zh-CN" altLang="en-US" sz="4500" kern="1200" dirty="0">
               <a:solidFill>
                 <a:schemeClr val="bg1"/>
               </a:solidFill>
@@ -5142,7 +5142,7 @@
             </a:rPr>
             <a:t>字节流和字符流</a:t>
           </a:r>
-          <a:endParaRPr lang="zh-CN" altLang="zh-CN" sz="4500" kern="1200" dirty="0">
+          <a:endParaRPr lang="zh-CN" altLang="en-US" sz="4500" kern="1200" dirty="0">
             <a:solidFill>
               <a:schemeClr val="bg1"/>
             </a:solidFill>
@@ -5268,7 +5268,7 @@
             <a:buNone/>
           </a:pPr>
           <a:r>
-            <a:rPr lang="zh-CN" sz="4500" kern="1200" dirty="0">
+            <a:rPr lang="zh-CN" altLang="en-US" sz="4500" kern="1200" dirty="0">
               <a:solidFill>
                 <a:schemeClr val="bg1"/>
               </a:solidFill>
@@ -5279,7 +5279,7 @@
             </a:rPr>
             <a:t>管道输入输出流类</a:t>
           </a:r>
-          <a:endParaRPr lang="zh-CN" altLang="zh-CN" sz="4500" kern="1200" dirty="0">
+          <a:endParaRPr lang="zh-CN" altLang="en-US" sz="4500" kern="1200" dirty="0">
             <a:solidFill>
               <a:schemeClr val="bg1"/>
             </a:solidFill>
@@ -9016,7 +9016,7 @@
                 <a:latin typeface="微软雅黑" panose="020B0503020204020204" pitchFamily="34" charset="-122"/>
                 <a:ea typeface="微软雅黑" panose="020B0503020204020204" pitchFamily="34" charset="-122"/>
               </a:rPr>
-              <a:t>2020年8月12日</a:t>
+              <a:t>2020年10月15日</a:t>
             </a:fld>
             <a:endParaRPr lang="zh-CN" altLang="en-US" dirty="0">
               <a:latin typeface="微软雅黑" panose="020B0503020204020204" pitchFamily="34" charset="-122"/>
@@ -9202,7 +9202,7 @@
             <a:fld id="{EA50F75F-AD11-4973-BAED-59A0098129E9}" type="datetime2">
               <a:rPr lang="zh-CN" altLang="en-US" smtClean="0"/>
               <a:pPr/>
-              <a:t>2020年8月12日</a:t>
+              <a:t>2020年10月15日</a:t>
             </a:fld>
             <a:endParaRPr lang="zh-CN" altLang="en-US" dirty="0"/>
           </a:p>
@@ -17342,7 +17342,7 @@
             <a:fld id="{B432DCC3-517C-49BA-ABA2-B2F6E7404DD7}" type="datetime2">
               <a:rPr lang="zh-CN" altLang="en-US" smtClean="0"/>
               <a:pPr/>
-              <a:t>2020年8月12日</a:t>
+              <a:t>2020年10月15日</a:t>
             </a:fld>
             <a:endParaRPr lang="zh-CN" altLang="en-US" dirty="0"/>
           </a:p>
@@ -21193,14 +21193,14 @@
           <a:effectLst/>
           <a:extLst>
             <a:ext uri="{909E8E84-426E-40dd-AFC4-6F175D3DCCD1}">
-              <a14:hiddenFill xmlns:a14="http://schemas.microsoft.com/office/drawing/2010/main" xmlns="">
+              <a14:hiddenFill xmlns="" xmlns:a14="http://schemas.microsoft.com/office/drawing/2010/main">
                 <a:solidFill>
                   <a:schemeClr val="accent1"/>
                 </a:solidFill>
               </a14:hiddenFill>
             </a:ext>
             <a:ext uri="{91240B29-F687-4f45-9708-019B960494DF}">
-              <a14:hiddenLine xmlns:a14="http://schemas.microsoft.com/office/drawing/2010/main" xmlns="" w="9525">
+              <a14:hiddenLine xmlns="" xmlns:a14="http://schemas.microsoft.com/office/drawing/2010/main" w="9525">
                 <a:solidFill>
                   <a:schemeClr val="tx1"/>
                 </a:solidFill>
@@ -21210,7 +21210,7 @@
               </a14:hiddenLine>
             </a:ext>
             <a:ext uri="{AF507438-7753-43e0-B8FC-AC1667EBCBE1}">
-              <a14:hiddenEffects xmlns:a14="http://schemas.microsoft.com/office/drawing/2010/main" xmlns="">
+              <a14:hiddenEffects xmlns="" xmlns:a14="http://schemas.microsoft.com/office/drawing/2010/main">
                 <a:effectLst>
                   <a:outerShdw blurRad="63500" dist="38099" dir="2700000" algn="ctr" rotWithShape="0">
                     <a:schemeClr val="bg2">
@@ -21377,14 +21377,14 @@
           <a:effectLst/>
           <a:extLst>
             <a:ext uri="{909E8E84-426E-40dd-AFC4-6F175D3DCCD1}">
-              <a14:hiddenFill xmlns:a14="http://schemas.microsoft.com/office/drawing/2010/main" xmlns="">
+              <a14:hiddenFill xmlns="" xmlns:a14="http://schemas.microsoft.com/office/drawing/2010/main">
                 <a:solidFill>
                   <a:schemeClr val="accent1"/>
                 </a:solidFill>
               </a14:hiddenFill>
             </a:ext>
             <a:ext uri="{91240B29-F687-4f45-9708-019B960494DF}">
-              <a14:hiddenLine xmlns:a14="http://schemas.microsoft.com/office/drawing/2010/main" xmlns="" w="9525">
+              <a14:hiddenLine xmlns="" xmlns:a14="http://schemas.microsoft.com/office/drawing/2010/main" w="9525">
                 <a:solidFill>
                   <a:srgbClr val="000000"/>
                 </a:solidFill>
@@ -21394,7 +21394,7 @@
               </a14:hiddenLine>
             </a:ext>
             <a:ext uri="{AF507438-7753-43e0-B8FC-AC1667EBCBE1}">
-              <a14:hiddenEffects xmlns:a14="http://schemas.microsoft.com/office/drawing/2010/main" xmlns="">
+              <a14:hiddenEffects xmlns="" xmlns:a14="http://schemas.microsoft.com/office/drawing/2010/main">
                 <a:effectLst>
                   <a:outerShdw blurRad="63500" dist="38099" dir="2700000" algn="ctr" rotWithShape="0">
                     <a:schemeClr val="bg2">
@@ -21455,14 +21455,14 @@
           <a:effectLst/>
           <a:extLst>
             <a:ext uri="{909E8E84-426E-40dd-AFC4-6F175D3DCCD1}">
-              <a14:hiddenFill xmlns:a14="http://schemas.microsoft.com/office/drawing/2010/main" xmlns="">
+              <a14:hiddenFill xmlns="" xmlns:a14="http://schemas.microsoft.com/office/drawing/2010/main">
                 <a:solidFill>
                   <a:schemeClr val="accent1"/>
                 </a:solidFill>
               </a14:hiddenFill>
             </a:ext>
             <a:ext uri="{91240B29-F687-4f45-9708-019B960494DF}">
-              <a14:hiddenLine xmlns:a14="http://schemas.microsoft.com/office/drawing/2010/main" xmlns="" w="9525">
+              <a14:hiddenLine xmlns="" xmlns:a14="http://schemas.microsoft.com/office/drawing/2010/main" w="9525">
                 <a:solidFill>
                   <a:schemeClr val="tx1"/>
                 </a:solidFill>
@@ -21472,7 +21472,7 @@
               </a14:hiddenLine>
             </a:ext>
             <a:ext uri="{AF507438-7753-43e0-B8FC-AC1667EBCBE1}">
-              <a14:hiddenEffects xmlns:a14="http://schemas.microsoft.com/office/drawing/2010/main" xmlns="">
+              <a14:hiddenEffects xmlns="" xmlns:a14="http://schemas.microsoft.com/office/drawing/2010/main">
                 <a:effectLst>
                   <a:outerShdw blurRad="63500" dist="38099" dir="2700000" algn="ctr" rotWithShape="0">
                     <a:schemeClr val="bg2">
@@ -21520,14 +21520,14 @@
           <a:effectLst/>
           <a:extLst>
             <a:ext uri="{909E8E84-426E-40dd-AFC4-6F175D3DCCD1}">
-              <a14:hiddenFill xmlns:a14="http://schemas.microsoft.com/office/drawing/2010/main" xmlns="">
+              <a14:hiddenFill xmlns="" xmlns:a14="http://schemas.microsoft.com/office/drawing/2010/main">
                 <a:solidFill>
                   <a:schemeClr val="accent1"/>
                 </a:solidFill>
               </a14:hiddenFill>
             </a:ext>
             <a:ext uri="{91240B29-F687-4f45-9708-019B960494DF}">
-              <a14:hiddenLine xmlns:a14="http://schemas.microsoft.com/office/drawing/2010/main" xmlns="" w="9525">
+              <a14:hiddenLine xmlns="" xmlns:a14="http://schemas.microsoft.com/office/drawing/2010/main" w="9525">
                 <a:solidFill>
                   <a:schemeClr val="tx1"/>
                 </a:solidFill>
@@ -21537,7 +21537,7 @@
               </a14:hiddenLine>
             </a:ext>
             <a:ext uri="{AF507438-7753-43e0-B8FC-AC1667EBCBE1}">
-              <a14:hiddenEffects xmlns:a14="http://schemas.microsoft.com/office/drawing/2010/main" xmlns="">
+              <a14:hiddenEffects xmlns="" xmlns:a14="http://schemas.microsoft.com/office/drawing/2010/main">
                 <a:effectLst>
                   <a:outerShdw blurRad="63500" dist="38099" dir="2700000" algn="ctr" rotWithShape="0">
                     <a:schemeClr val="bg2">
@@ -21690,14 +21690,14 @@
           <a:effectLst/>
           <a:extLst>
             <a:ext uri="{909E8E84-426E-40dd-AFC4-6F175D3DCCD1}">
-              <a14:hiddenFill xmlns:a14="http://schemas.microsoft.com/office/drawing/2010/main" xmlns="">
+              <a14:hiddenFill xmlns="" xmlns:a14="http://schemas.microsoft.com/office/drawing/2010/main">
                 <a:solidFill>
                   <a:schemeClr val="accent1"/>
                 </a:solidFill>
               </a14:hiddenFill>
             </a:ext>
             <a:ext uri="{91240B29-F687-4f45-9708-019B960494DF}">
-              <a14:hiddenLine xmlns:a14="http://schemas.microsoft.com/office/drawing/2010/main" xmlns="" w="9525">
+              <a14:hiddenLine xmlns="" xmlns:a14="http://schemas.microsoft.com/office/drawing/2010/main" w="9525">
                 <a:solidFill>
                   <a:srgbClr val="000000"/>
                 </a:solidFill>
@@ -21707,7 +21707,7 @@
               </a14:hiddenLine>
             </a:ext>
             <a:ext uri="{AF507438-7753-43e0-B8FC-AC1667EBCBE1}">
-              <a14:hiddenEffects xmlns:a14="http://schemas.microsoft.com/office/drawing/2010/main" xmlns="">
+              <a14:hiddenEffects xmlns="" xmlns:a14="http://schemas.microsoft.com/office/drawing/2010/main">
                 <a:effectLst>
                   <a:outerShdw blurRad="63500" dist="38099" dir="2700000" algn="ctr" rotWithShape="0">
                     <a:schemeClr val="bg2">
@@ -21768,14 +21768,14 @@
           <a:effectLst/>
           <a:extLst>
             <a:ext uri="{909E8E84-426E-40dd-AFC4-6F175D3DCCD1}">
-              <a14:hiddenFill xmlns:a14="http://schemas.microsoft.com/office/drawing/2010/main" xmlns="">
+              <a14:hiddenFill xmlns="" xmlns:a14="http://schemas.microsoft.com/office/drawing/2010/main">
                 <a:solidFill>
                   <a:schemeClr val="accent1"/>
                 </a:solidFill>
               </a14:hiddenFill>
             </a:ext>
             <a:ext uri="{91240B29-F687-4f45-9708-019B960494DF}">
-              <a14:hiddenLine xmlns:a14="http://schemas.microsoft.com/office/drawing/2010/main" xmlns="" w="9525">
+              <a14:hiddenLine xmlns="" xmlns:a14="http://schemas.microsoft.com/office/drawing/2010/main" w="9525">
                 <a:solidFill>
                   <a:schemeClr val="tx1"/>
                 </a:solidFill>
@@ -21785,7 +21785,7 @@
               </a14:hiddenLine>
             </a:ext>
             <a:ext uri="{AF507438-7753-43e0-B8FC-AC1667EBCBE1}">
-              <a14:hiddenEffects xmlns:a14="http://schemas.microsoft.com/office/drawing/2010/main" xmlns="">
+              <a14:hiddenEffects xmlns="" xmlns:a14="http://schemas.microsoft.com/office/drawing/2010/main">
                 <a:effectLst>
                   <a:outerShdw blurRad="63500" dist="38099" dir="2700000" algn="ctr" rotWithShape="0">
                     <a:schemeClr val="bg2">
@@ -21982,14 +21982,14 @@
           <a:effectLst/>
           <a:extLst>
             <a:ext uri="{909E8E84-426E-40dd-AFC4-6F175D3DCCD1}">
-              <a14:hiddenFill xmlns:a14="http://schemas.microsoft.com/office/drawing/2010/main" xmlns="">
+              <a14:hiddenFill xmlns="" xmlns:a14="http://schemas.microsoft.com/office/drawing/2010/main">
                 <a:solidFill>
                   <a:schemeClr val="accent1"/>
                 </a:solidFill>
               </a14:hiddenFill>
             </a:ext>
             <a:ext uri="{91240B29-F687-4f45-9708-019B960494DF}">
-              <a14:hiddenLine xmlns:a14="http://schemas.microsoft.com/office/drawing/2010/main" xmlns="" w="9525">
+              <a14:hiddenLine xmlns="" xmlns:a14="http://schemas.microsoft.com/office/drawing/2010/main" w="9525">
                 <a:solidFill>
                   <a:srgbClr val="000000"/>
                 </a:solidFill>
@@ -21999,7 +21999,7 @@
               </a14:hiddenLine>
             </a:ext>
             <a:ext uri="{AF507438-7753-43e0-B8FC-AC1667EBCBE1}">
-              <a14:hiddenEffects xmlns:a14="http://schemas.microsoft.com/office/drawing/2010/main" xmlns="">
+              <a14:hiddenEffects xmlns="" xmlns:a14="http://schemas.microsoft.com/office/drawing/2010/main">
                 <a:effectLst>
                   <a:outerShdw blurRad="63500" dist="38099" dir="2700000" algn="ctr" rotWithShape="0">
                     <a:schemeClr val="bg2">
@@ -22157,14 +22157,14 @@
           <a:effectLst/>
           <a:extLst>
             <a:ext uri="{909E8E84-426E-40dd-AFC4-6F175D3DCCD1}">
-              <a14:hiddenFill xmlns:a14="http://schemas.microsoft.com/office/drawing/2010/main" xmlns="">
+              <a14:hiddenFill xmlns="" xmlns:a14="http://schemas.microsoft.com/office/drawing/2010/main">
                 <a:solidFill>
                   <a:schemeClr val="accent1"/>
                 </a:solidFill>
               </a14:hiddenFill>
             </a:ext>
             <a:ext uri="{91240B29-F687-4f45-9708-019B960494DF}">
-              <a14:hiddenLine xmlns:a14="http://schemas.microsoft.com/office/drawing/2010/main" xmlns="" w="9525">
+              <a14:hiddenLine xmlns="" xmlns:a14="http://schemas.microsoft.com/office/drawing/2010/main" w="9525">
                 <a:solidFill>
                   <a:srgbClr val="000000"/>
                 </a:solidFill>
@@ -22174,7 +22174,7 @@
               </a14:hiddenLine>
             </a:ext>
             <a:ext uri="{AF507438-7753-43e0-B8FC-AC1667EBCBE1}">
-              <a14:hiddenEffects xmlns:a14="http://schemas.microsoft.com/office/drawing/2010/main" xmlns="">
+              <a14:hiddenEffects xmlns="" xmlns:a14="http://schemas.microsoft.com/office/drawing/2010/main">
                 <a:effectLst>
                   <a:outerShdw blurRad="63500" dist="38099" dir="2700000" algn="ctr" rotWithShape="0">
                     <a:schemeClr val="bg2">
@@ -22235,14 +22235,14 @@
           <a:effectLst/>
           <a:extLst>
             <a:ext uri="{909E8E84-426E-40dd-AFC4-6F175D3DCCD1}">
-              <a14:hiddenFill xmlns:a14="http://schemas.microsoft.com/office/drawing/2010/main" xmlns="">
+              <a14:hiddenFill xmlns="" xmlns:a14="http://schemas.microsoft.com/office/drawing/2010/main">
                 <a:solidFill>
                   <a:schemeClr val="accent1"/>
                 </a:solidFill>
               </a14:hiddenFill>
             </a:ext>
             <a:ext uri="{91240B29-F687-4f45-9708-019B960494DF}">
-              <a14:hiddenLine xmlns:a14="http://schemas.microsoft.com/office/drawing/2010/main" xmlns="" w="9525">
+              <a14:hiddenLine xmlns="" xmlns:a14="http://schemas.microsoft.com/office/drawing/2010/main" w="9525">
                 <a:solidFill>
                   <a:schemeClr val="tx1"/>
                 </a:solidFill>
@@ -22252,7 +22252,7 @@
               </a14:hiddenLine>
             </a:ext>
             <a:ext uri="{AF507438-7753-43e0-B8FC-AC1667EBCBE1}">
-              <a14:hiddenEffects xmlns:a14="http://schemas.microsoft.com/office/drawing/2010/main" xmlns="">
+              <a14:hiddenEffects xmlns="" xmlns:a14="http://schemas.microsoft.com/office/drawing/2010/main">
                 <a:effectLst>
                   <a:outerShdw blurRad="63500" dist="38099" dir="2700000" algn="ctr" rotWithShape="0">
                     <a:schemeClr val="bg2">
@@ -22511,14 +22511,14 @@
           <a:effectLst/>
           <a:extLst>
             <a:ext uri="{909E8E84-426E-40dd-AFC4-6F175D3DCCD1}">
-              <a14:hiddenFill xmlns:a14="http://schemas.microsoft.com/office/drawing/2010/main" xmlns="">
+              <a14:hiddenFill xmlns="" xmlns:a14="http://schemas.microsoft.com/office/drawing/2010/main">
                 <a:solidFill>
                   <a:schemeClr val="accent1"/>
                 </a:solidFill>
               </a14:hiddenFill>
             </a:ext>
             <a:ext uri="{91240B29-F687-4f45-9708-019B960494DF}">
-              <a14:hiddenLine xmlns:a14="http://schemas.microsoft.com/office/drawing/2010/main" xmlns="" w="9525">
+              <a14:hiddenLine xmlns="" xmlns:a14="http://schemas.microsoft.com/office/drawing/2010/main" w="9525">
                 <a:solidFill>
                   <a:srgbClr val="000000"/>
                 </a:solidFill>
@@ -22528,7 +22528,7 @@
               </a14:hiddenLine>
             </a:ext>
             <a:ext uri="{AF507438-7753-43e0-B8FC-AC1667EBCBE1}">
-              <a14:hiddenEffects xmlns:a14="http://schemas.microsoft.com/office/drawing/2010/main" xmlns="">
+              <a14:hiddenEffects xmlns="" xmlns:a14="http://schemas.microsoft.com/office/drawing/2010/main">
                 <a:effectLst>
                   <a:outerShdw blurRad="63500" dist="38099" dir="2700000" algn="ctr" rotWithShape="0">
                     <a:schemeClr val="bg2">
@@ -22928,14 +22928,14 @@
           <a:effectLst/>
           <a:extLst>
             <a:ext uri="{909E8E84-426E-40dd-AFC4-6F175D3DCCD1}">
-              <a14:hiddenFill xmlns:a14="http://schemas.microsoft.com/office/drawing/2010/main" xmlns="">
+              <a14:hiddenFill xmlns="" xmlns:a14="http://schemas.microsoft.com/office/drawing/2010/main">
                 <a:solidFill>
                   <a:schemeClr val="accent1"/>
                 </a:solidFill>
               </a14:hiddenFill>
             </a:ext>
             <a:ext uri="{91240B29-F687-4f45-9708-019B960494DF}">
-              <a14:hiddenLine xmlns:a14="http://schemas.microsoft.com/office/drawing/2010/main" xmlns="" w="9525">
+              <a14:hiddenLine xmlns="" xmlns:a14="http://schemas.microsoft.com/office/drawing/2010/main" w="9525">
                 <a:solidFill>
                   <a:srgbClr val="000000"/>
                 </a:solidFill>
@@ -22945,7 +22945,7 @@
               </a14:hiddenLine>
             </a:ext>
             <a:ext uri="{AF507438-7753-43e0-B8FC-AC1667EBCBE1}">
-              <a14:hiddenEffects xmlns:a14="http://schemas.microsoft.com/office/drawing/2010/main" xmlns="">
+              <a14:hiddenEffects xmlns="" xmlns:a14="http://schemas.microsoft.com/office/drawing/2010/main">
                 <a:effectLst>
                   <a:outerShdw blurRad="63500" dist="38099" dir="2700000" algn="ctr" rotWithShape="0">
                     <a:schemeClr val="bg2">
@@ -23154,14 +23154,14 @@
           <a:effectLst/>
           <a:extLst>
             <a:ext uri="{909E8E84-426E-40dd-AFC4-6F175D3DCCD1}">
-              <a14:hiddenFill xmlns:a14="http://schemas.microsoft.com/office/drawing/2010/main" xmlns="">
+              <a14:hiddenFill xmlns="" xmlns:a14="http://schemas.microsoft.com/office/drawing/2010/main">
                 <a:solidFill>
                   <a:schemeClr val="accent1"/>
                 </a:solidFill>
               </a14:hiddenFill>
             </a:ext>
             <a:ext uri="{91240B29-F687-4f45-9708-019B960494DF}">
-              <a14:hiddenLine xmlns:a14="http://schemas.microsoft.com/office/drawing/2010/main" xmlns="" w="9525">
+              <a14:hiddenLine xmlns="" xmlns:a14="http://schemas.microsoft.com/office/drawing/2010/main" w="9525">
                 <a:solidFill>
                   <a:srgbClr val="000000"/>
                 </a:solidFill>
@@ -23171,7 +23171,7 @@
               </a14:hiddenLine>
             </a:ext>
             <a:ext uri="{AF507438-7753-43e0-B8FC-AC1667EBCBE1}">
-              <a14:hiddenEffects xmlns:a14="http://schemas.microsoft.com/office/drawing/2010/main" xmlns="">
+              <a14:hiddenEffects xmlns="" xmlns:a14="http://schemas.microsoft.com/office/drawing/2010/main">
                 <a:effectLst>
                   <a:outerShdw blurRad="63500" dist="38099" dir="2700000" algn="ctr" rotWithShape="0">
                     <a:schemeClr val="bg2">
@@ -23637,14 +23637,14 @@
           <a:effectLst/>
           <a:extLst>
             <a:ext uri="{909E8E84-426E-40dd-AFC4-6F175D3DCCD1}">
-              <a14:hiddenFill xmlns:a14="http://schemas.microsoft.com/office/drawing/2010/main" xmlns="">
+              <a14:hiddenFill xmlns="" xmlns:a14="http://schemas.microsoft.com/office/drawing/2010/main">
                 <a:solidFill>
                   <a:schemeClr val="accent1"/>
                 </a:solidFill>
               </a14:hiddenFill>
             </a:ext>
             <a:ext uri="{91240B29-F687-4f45-9708-019B960494DF}">
-              <a14:hiddenLine xmlns:a14="http://schemas.microsoft.com/office/drawing/2010/main" xmlns="" w="9525">
+              <a14:hiddenLine xmlns="" xmlns:a14="http://schemas.microsoft.com/office/drawing/2010/main" w="9525">
                 <a:solidFill>
                   <a:srgbClr val="000000"/>
                 </a:solidFill>
@@ -23654,7 +23654,7 @@
               </a14:hiddenLine>
             </a:ext>
             <a:ext uri="{AF507438-7753-43e0-B8FC-AC1667EBCBE1}">
-              <a14:hiddenEffects xmlns:a14="http://schemas.microsoft.com/office/drawing/2010/main" xmlns="">
+              <a14:hiddenEffects xmlns="" xmlns:a14="http://schemas.microsoft.com/office/drawing/2010/main">
                 <a:effectLst>
                   <a:outerShdw blurRad="63500" dist="38099" dir="2700000" algn="ctr" rotWithShape="0">
                     <a:schemeClr val="bg2">
@@ -24334,14 +24334,14 @@
           <a:effectLst/>
           <a:extLst>
             <a:ext uri="{909E8E84-426E-40dd-AFC4-6F175D3DCCD1}">
-              <a14:hiddenFill xmlns:a14="http://schemas.microsoft.com/office/drawing/2010/main" xmlns="">
+              <a14:hiddenFill xmlns="" xmlns:a14="http://schemas.microsoft.com/office/drawing/2010/main">
                 <a:solidFill>
                   <a:schemeClr val="accent1"/>
                 </a:solidFill>
               </a14:hiddenFill>
             </a:ext>
             <a:ext uri="{91240B29-F687-4f45-9708-019B960494DF}">
-              <a14:hiddenLine xmlns:a14="http://schemas.microsoft.com/office/drawing/2010/main" xmlns="" w="9525">
+              <a14:hiddenLine xmlns="" xmlns:a14="http://schemas.microsoft.com/office/drawing/2010/main" w="9525">
                 <a:solidFill>
                   <a:srgbClr val="000000"/>
                 </a:solidFill>
@@ -24351,7 +24351,7 @@
               </a14:hiddenLine>
             </a:ext>
             <a:ext uri="{AF507438-7753-43e0-B8FC-AC1667EBCBE1}">
-              <a14:hiddenEffects xmlns:a14="http://schemas.microsoft.com/office/drawing/2010/main" xmlns="">
+              <a14:hiddenEffects xmlns="" xmlns:a14="http://schemas.microsoft.com/office/drawing/2010/main">
                 <a:effectLst>
                   <a:outerShdw blurRad="63500" dist="38099" dir="2700000" algn="ctr" rotWithShape="0">
                     <a:schemeClr val="bg2">
@@ -24690,14 +24690,14 @@
           <a:effectLst/>
           <a:extLst>
             <a:ext uri="{909E8E84-426E-40dd-AFC4-6F175D3DCCD1}">
-              <a14:hiddenFill xmlns:a14="http://schemas.microsoft.com/office/drawing/2010/main" xmlns="">
+              <a14:hiddenFill xmlns="" xmlns:a14="http://schemas.microsoft.com/office/drawing/2010/main">
                 <a:solidFill>
                   <a:schemeClr val="accent1"/>
                 </a:solidFill>
               </a14:hiddenFill>
             </a:ext>
             <a:ext uri="{91240B29-F687-4f45-9708-019B960494DF}">
-              <a14:hiddenLine xmlns:a14="http://schemas.microsoft.com/office/drawing/2010/main" xmlns="" w="9525">
+              <a14:hiddenLine xmlns="" xmlns:a14="http://schemas.microsoft.com/office/drawing/2010/main" w="9525">
                 <a:solidFill>
                   <a:srgbClr val="000000"/>
                 </a:solidFill>
@@ -24707,7 +24707,7 @@
               </a14:hiddenLine>
             </a:ext>
             <a:ext uri="{AF507438-7753-43e0-B8FC-AC1667EBCBE1}">
-              <a14:hiddenEffects xmlns:a14="http://schemas.microsoft.com/office/drawing/2010/main" xmlns="">
+              <a14:hiddenEffects xmlns="" xmlns:a14="http://schemas.microsoft.com/office/drawing/2010/main">
                 <a:effectLst>
                   <a:outerShdw blurRad="63500" dist="38099" dir="2700000" algn="ctr" rotWithShape="0">
                     <a:schemeClr val="bg2">
@@ -24913,14 +24913,14 @@
           <a:effectLst/>
           <a:extLst>
             <a:ext uri="{909E8E84-426E-40dd-AFC4-6F175D3DCCD1}">
-              <a14:hiddenFill xmlns:a14="http://schemas.microsoft.com/office/drawing/2010/main" xmlns="">
+              <a14:hiddenFill xmlns="" xmlns:a14="http://schemas.microsoft.com/office/drawing/2010/main">
                 <a:solidFill>
                   <a:schemeClr val="accent1"/>
                 </a:solidFill>
               </a14:hiddenFill>
             </a:ext>
             <a:ext uri="{91240B29-F687-4f45-9708-019B960494DF}">
-              <a14:hiddenLine xmlns:a14="http://schemas.microsoft.com/office/drawing/2010/main" xmlns="" w="9525">
+              <a14:hiddenLine xmlns="" xmlns:a14="http://schemas.microsoft.com/office/drawing/2010/main" w="9525">
                 <a:solidFill>
                   <a:srgbClr val="000000"/>
                 </a:solidFill>
@@ -24930,7 +24930,7 @@
               </a14:hiddenLine>
             </a:ext>
             <a:ext uri="{AF507438-7753-43e0-B8FC-AC1667EBCBE1}">
-              <a14:hiddenEffects xmlns:a14="http://schemas.microsoft.com/office/drawing/2010/main" xmlns="">
+              <a14:hiddenEffects xmlns="" xmlns:a14="http://schemas.microsoft.com/office/drawing/2010/main">
                 <a:effectLst>
                   <a:outerShdw blurRad="63500" dist="38099" dir="2700000" algn="ctr" rotWithShape="0">
                     <a:schemeClr val="bg2">
@@ -25128,14 +25128,14 @@
           <a:effectLst/>
           <a:extLst>
             <a:ext uri="{909E8E84-426E-40dd-AFC4-6F175D3DCCD1}">
-              <a14:hiddenFill xmlns:a14="http://schemas.microsoft.com/office/drawing/2010/main" xmlns="">
+              <a14:hiddenFill xmlns="" xmlns:a14="http://schemas.microsoft.com/office/drawing/2010/main">
                 <a:solidFill>
                   <a:schemeClr val="accent1"/>
                 </a:solidFill>
               </a14:hiddenFill>
             </a:ext>
             <a:ext uri="{91240B29-F687-4f45-9708-019B960494DF}">
-              <a14:hiddenLine xmlns:a14="http://schemas.microsoft.com/office/drawing/2010/main" xmlns="" w="9525">
+              <a14:hiddenLine xmlns="" xmlns:a14="http://schemas.microsoft.com/office/drawing/2010/main" w="9525">
                 <a:solidFill>
                   <a:srgbClr val="000000"/>
                 </a:solidFill>
@@ -25145,7 +25145,7 @@
               </a14:hiddenLine>
             </a:ext>
             <a:ext uri="{AF507438-7753-43e0-B8FC-AC1667EBCBE1}">
-              <a14:hiddenEffects xmlns:a14="http://schemas.microsoft.com/office/drawing/2010/main" xmlns="">
+              <a14:hiddenEffects xmlns="" xmlns:a14="http://schemas.microsoft.com/office/drawing/2010/main">
                 <a:effectLst>
                   <a:outerShdw blurRad="63500" dist="38099" dir="2700000" algn="ctr" rotWithShape="0">
                     <a:schemeClr val="bg2">
@@ -25207,14 +25207,14 @@
           <a:effectLst/>
           <a:extLst>
             <a:ext uri="{909E8E84-426E-40dd-AFC4-6F175D3DCCD1}">
-              <a14:hiddenFill xmlns:a14="http://schemas.microsoft.com/office/drawing/2010/main" xmlns="">
+              <a14:hiddenFill xmlns="" xmlns:a14="http://schemas.microsoft.com/office/drawing/2010/main">
                 <a:solidFill>
                   <a:schemeClr val="accent1"/>
                 </a:solidFill>
               </a14:hiddenFill>
             </a:ext>
             <a:ext uri="{91240B29-F687-4f45-9708-019B960494DF}">
-              <a14:hiddenLine xmlns:a14="http://schemas.microsoft.com/office/drawing/2010/main" xmlns="" w="9525">
+              <a14:hiddenLine xmlns="" xmlns:a14="http://schemas.microsoft.com/office/drawing/2010/main" w="9525">
                 <a:solidFill>
                   <a:schemeClr val="tx1"/>
                 </a:solidFill>
@@ -25224,7 +25224,7 @@
               </a14:hiddenLine>
             </a:ext>
             <a:ext uri="{AF507438-7753-43e0-B8FC-AC1667EBCBE1}">
-              <a14:hiddenEffects xmlns:a14="http://schemas.microsoft.com/office/drawing/2010/main" xmlns="">
+              <a14:hiddenEffects xmlns="" xmlns:a14="http://schemas.microsoft.com/office/drawing/2010/main">
                 <a:effectLst>
                   <a:outerShdw blurRad="63500" dist="38099" dir="2700000" algn="ctr" rotWithShape="0">
                     <a:schemeClr val="bg2">
@@ -25444,14 +25444,14 @@
           <a:effectLst/>
           <a:extLst>
             <a:ext uri="{909E8E84-426E-40dd-AFC4-6F175D3DCCD1}">
-              <a14:hiddenFill xmlns:a14="http://schemas.microsoft.com/office/drawing/2010/main" xmlns="">
+              <a14:hiddenFill xmlns="" xmlns:a14="http://schemas.microsoft.com/office/drawing/2010/main">
                 <a:solidFill>
                   <a:schemeClr val="accent1"/>
                 </a:solidFill>
               </a14:hiddenFill>
             </a:ext>
             <a:ext uri="{91240B29-F687-4f45-9708-019B960494DF}">
-              <a14:hiddenLine xmlns:a14="http://schemas.microsoft.com/office/drawing/2010/main" xmlns="" w="9525">
+              <a14:hiddenLine xmlns="" xmlns:a14="http://schemas.microsoft.com/office/drawing/2010/main" w="9525">
                 <a:solidFill>
                   <a:srgbClr val="000000"/>
                 </a:solidFill>
@@ -25461,7 +25461,7 @@
               </a14:hiddenLine>
             </a:ext>
             <a:ext uri="{AF507438-7753-43e0-B8FC-AC1667EBCBE1}">
-              <a14:hiddenEffects xmlns:a14="http://schemas.microsoft.com/office/drawing/2010/main" xmlns="">
+              <a14:hiddenEffects xmlns="" xmlns:a14="http://schemas.microsoft.com/office/drawing/2010/main">
                 <a:effectLst>
                   <a:outerShdw blurRad="63500" dist="38099" dir="2700000" algn="ctr" rotWithShape="0">
                     <a:schemeClr val="bg2">
@@ -25523,14 +25523,14 @@
           <a:effectLst/>
           <a:extLst>
             <a:ext uri="{909E8E84-426E-40dd-AFC4-6F175D3DCCD1}">
-              <a14:hiddenFill xmlns:a14="http://schemas.microsoft.com/office/drawing/2010/main" xmlns="">
+              <a14:hiddenFill xmlns="" xmlns:a14="http://schemas.microsoft.com/office/drawing/2010/main">
                 <a:solidFill>
                   <a:schemeClr val="accent1"/>
                 </a:solidFill>
               </a14:hiddenFill>
             </a:ext>
             <a:ext uri="{91240B29-F687-4f45-9708-019B960494DF}">
-              <a14:hiddenLine xmlns:a14="http://schemas.microsoft.com/office/drawing/2010/main" xmlns="" w="9525">
+              <a14:hiddenLine xmlns="" xmlns:a14="http://schemas.microsoft.com/office/drawing/2010/main" w="9525">
                 <a:solidFill>
                   <a:schemeClr val="tx1"/>
                 </a:solidFill>
@@ -25540,7 +25540,7 @@
               </a14:hiddenLine>
             </a:ext>
             <a:ext uri="{AF507438-7753-43e0-B8FC-AC1667EBCBE1}">
-              <a14:hiddenEffects xmlns:a14="http://schemas.microsoft.com/office/drawing/2010/main" xmlns="">
+              <a14:hiddenEffects xmlns="" xmlns:a14="http://schemas.microsoft.com/office/drawing/2010/main">
                 <a:effectLst>
                   <a:outerShdw blurRad="63500" dist="38099" dir="2700000" algn="ctr" rotWithShape="0">
                     <a:schemeClr val="bg2">
@@ -25728,14 +25728,14 @@
           <a:effectLst/>
           <a:extLst>
             <a:ext uri="{909E8E84-426E-40dd-AFC4-6F175D3DCCD1}">
-              <a14:hiddenFill xmlns:a14="http://schemas.microsoft.com/office/drawing/2010/main" xmlns="">
+              <a14:hiddenFill xmlns="" xmlns:a14="http://schemas.microsoft.com/office/drawing/2010/main">
                 <a:solidFill>
                   <a:schemeClr val="accent1"/>
                 </a:solidFill>
               </a14:hiddenFill>
             </a:ext>
             <a:ext uri="{91240B29-F687-4f45-9708-019B960494DF}">
-              <a14:hiddenLine xmlns:a14="http://schemas.microsoft.com/office/drawing/2010/main" xmlns="" w="9525">
+              <a14:hiddenLine xmlns="" xmlns:a14="http://schemas.microsoft.com/office/drawing/2010/main" w="9525">
                 <a:solidFill>
                   <a:srgbClr val="000000"/>
                 </a:solidFill>
@@ -25745,7 +25745,7 @@
               </a14:hiddenLine>
             </a:ext>
             <a:ext uri="{AF507438-7753-43e0-B8FC-AC1667EBCBE1}">
-              <a14:hiddenEffects xmlns:a14="http://schemas.microsoft.com/office/drawing/2010/main" xmlns="">
+              <a14:hiddenEffects xmlns="" xmlns:a14="http://schemas.microsoft.com/office/drawing/2010/main">
                 <a:effectLst>
                   <a:outerShdw blurRad="63500" dist="38099" dir="2700000" algn="ctr" rotWithShape="0">
                     <a:schemeClr val="bg2">
@@ -25956,14 +25956,14 @@
           <a:effectLst/>
           <a:extLst>
             <a:ext uri="{909E8E84-426E-40dd-AFC4-6F175D3DCCD1}">
-              <a14:hiddenFill xmlns:a14="http://schemas.microsoft.com/office/drawing/2010/main" xmlns="">
+              <a14:hiddenFill xmlns="" xmlns:a14="http://schemas.microsoft.com/office/drawing/2010/main">
                 <a:solidFill>
                   <a:schemeClr val="accent1"/>
                 </a:solidFill>
               </a14:hiddenFill>
             </a:ext>
             <a:ext uri="{91240B29-F687-4f45-9708-019B960494DF}">
-              <a14:hiddenLine xmlns:a14="http://schemas.microsoft.com/office/drawing/2010/main" xmlns="" w="9525">
+              <a14:hiddenLine xmlns="" xmlns:a14="http://schemas.microsoft.com/office/drawing/2010/main" w="9525">
                 <a:solidFill>
                   <a:srgbClr val="000000"/>
                 </a:solidFill>
@@ -25973,7 +25973,7 @@
               </a14:hiddenLine>
             </a:ext>
             <a:ext uri="{AF507438-7753-43e0-B8FC-AC1667EBCBE1}">
-              <a14:hiddenEffects xmlns:a14="http://schemas.microsoft.com/office/drawing/2010/main" xmlns="">
+              <a14:hiddenEffects xmlns="" xmlns:a14="http://schemas.microsoft.com/office/drawing/2010/main">
                 <a:effectLst>
                   <a:outerShdw blurRad="63500" dist="38099" dir="2700000" algn="ctr" rotWithShape="0">
                     <a:schemeClr val="bg2">
@@ -26178,14 +26178,14 @@
           <a:effectLst/>
           <a:extLst>
             <a:ext uri="{909E8E84-426E-40dd-AFC4-6F175D3DCCD1}">
-              <a14:hiddenFill xmlns:a14="http://schemas.microsoft.com/office/drawing/2010/main" xmlns="">
+              <a14:hiddenFill xmlns="" xmlns:a14="http://schemas.microsoft.com/office/drawing/2010/main">
                 <a:solidFill>
                   <a:schemeClr val="accent1"/>
                 </a:solidFill>
               </a14:hiddenFill>
             </a:ext>
             <a:ext uri="{91240B29-F687-4f45-9708-019B960494DF}">
-              <a14:hiddenLine xmlns:a14="http://schemas.microsoft.com/office/drawing/2010/main" xmlns="" w="9525">
+              <a14:hiddenLine xmlns="" xmlns:a14="http://schemas.microsoft.com/office/drawing/2010/main" w="9525">
                 <a:solidFill>
                   <a:srgbClr val="000000"/>
                 </a:solidFill>
@@ -26195,7 +26195,7 @@
               </a14:hiddenLine>
             </a:ext>
             <a:ext uri="{AF507438-7753-43e0-B8FC-AC1667EBCBE1}">
-              <a14:hiddenEffects xmlns:a14="http://schemas.microsoft.com/office/drawing/2010/main" xmlns="">
+              <a14:hiddenEffects xmlns="" xmlns:a14="http://schemas.microsoft.com/office/drawing/2010/main">
                 <a:effectLst>
                   <a:outerShdw blurRad="63500" dist="38099" dir="2700000" algn="ctr" rotWithShape="0">
                     <a:schemeClr val="bg2">
@@ -26370,14 +26370,14 @@
           <a:effectLst/>
           <a:extLst>
             <a:ext uri="{909E8E84-426E-40dd-AFC4-6F175D3DCCD1}">
-              <a14:hiddenFill xmlns:a14="http://schemas.microsoft.com/office/drawing/2010/main" xmlns="">
+              <a14:hiddenFill xmlns="" xmlns:a14="http://schemas.microsoft.com/office/drawing/2010/main">
                 <a:solidFill>
                   <a:schemeClr val="accent1"/>
                 </a:solidFill>
               </a14:hiddenFill>
             </a:ext>
             <a:ext uri="{91240B29-F687-4f45-9708-019B960494DF}">
-              <a14:hiddenLine xmlns:a14="http://schemas.microsoft.com/office/drawing/2010/main" xmlns="" w="9525">
+              <a14:hiddenLine xmlns="" xmlns:a14="http://schemas.microsoft.com/office/drawing/2010/main" w="9525">
                 <a:solidFill>
                   <a:srgbClr val="000000"/>
                 </a:solidFill>
@@ -26387,7 +26387,7 @@
               </a14:hiddenLine>
             </a:ext>
             <a:ext uri="{AF507438-7753-43e0-B8FC-AC1667EBCBE1}">
-              <a14:hiddenEffects xmlns:a14="http://schemas.microsoft.com/office/drawing/2010/main" xmlns="">
+              <a14:hiddenEffects xmlns="" xmlns:a14="http://schemas.microsoft.com/office/drawing/2010/main">
                 <a:effectLst>
                   <a:outerShdw blurRad="63500" dist="38099" dir="2700000" algn="ctr" rotWithShape="0">
                     <a:schemeClr val="bg2">
@@ -26657,14 +26657,14 @@
           <a:effectLst/>
           <a:extLst>
             <a:ext uri="{909E8E84-426E-40dd-AFC4-6F175D3DCCD1}">
-              <a14:hiddenFill xmlns:a14="http://schemas.microsoft.com/office/drawing/2010/main" xmlns="">
+              <a14:hiddenFill xmlns="" xmlns:a14="http://schemas.microsoft.com/office/drawing/2010/main">
                 <a:solidFill>
                   <a:schemeClr val="accent1"/>
                 </a:solidFill>
               </a14:hiddenFill>
             </a:ext>
             <a:ext uri="{91240B29-F687-4f45-9708-019B960494DF}">
-              <a14:hiddenLine xmlns:a14="http://schemas.microsoft.com/office/drawing/2010/main" xmlns="" w="9525">
+              <a14:hiddenLine xmlns="" xmlns:a14="http://schemas.microsoft.com/office/drawing/2010/main" w="9525">
                 <a:solidFill>
                   <a:srgbClr val="000000"/>
                 </a:solidFill>
@@ -26674,7 +26674,7 @@
               </a14:hiddenLine>
             </a:ext>
             <a:ext uri="{AF507438-7753-43e0-B8FC-AC1667EBCBE1}">
-              <a14:hiddenEffects xmlns:a14="http://schemas.microsoft.com/office/drawing/2010/main" xmlns="">
+              <a14:hiddenEffects xmlns="" xmlns:a14="http://schemas.microsoft.com/office/drawing/2010/main">
                 <a:effectLst>
                   <a:outerShdw blurRad="63500" dist="38099" dir="2700000" algn="ctr" rotWithShape="0">
                     <a:schemeClr val="bg2">
@@ -26735,14 +26735,14 @@
           <a:effectLst/>
           <a:extLst>
             <a:ext uri="{909E8E84-426E-40dd-AFC4-6F175D3DCCD1}">
-              <a14:hiddenFill xmlns:a14="http://schemas.microsoft.com/office/drawing/2010/main" xmlns="">
+              <a14:hiddenFill xmlns="" xmlns:a14="http://schemas.microsoft.com/office/drawing/2010/main">
                 <a:solidFill>
                   <a:schemeClr val="accent1"/>
                 </a:solidFill>
               </a14:hiddenFill>
             </a:ext>
             <a:ext uri="{91240B29-F687-4f45-9708-019B960494DF}">
-              <a14:hiddenLine xmlns:a14="http://schemas.microsoft.com/office/drawing/2010/main" xmlns="" w="9525">
+              <a14:hiddenLine xmlns="" xmlns:a14="http://schemas.microsoft.com/office/drawing/2010/main" w="9525">
                 <a:solidFill>
                   <a:srgbClr val="000000"/>
                 </a:solidFill>
@@ -26752,7 +26752,7 @@
               </a14:hiddenLine>
             </a:ext>
             <a:ext uri="{AF507438-7753-43e0-B8FC-AC1667EBCBE1}">
-              <a14:hiddenEffects xmlns:a14="http://schemas.microsoft.com/office/drawing/2010/main" xmlns="">
+              <a14:hiddenEffects xmlns="" xmlns:a14="http://schemas.microsoft.com/office/drawing/2010/main">
                 <a:effectLst>
                   <a:outerShdw blurRad="63500" dist="38099" dir="2700000" algn="ctr" rotWithShape="0">
                     <a:schemeClr val="bg2">
@@ -26933,14 +26933,14 @@
           <a:effectLst/>
           <a:extLst>
             <a:ext uri="{909E8E84-426E-40dd-AFC4-6F175D3DCCD1}">
-              <a14:hiddenFill xmlns:a14="http://schemas.microsoft.com/office/drawing/2010/main" xmlns="">
+              <a14:hiddenFill xmlns="" xmlns:a14="http://schemas.microsoft.com/office/drawing/2010/main">
                 <a:solidFill>
                   <a:schemeClr val="accent1"/>
                 </a:solidFill>
               </a14:hiddenFill>
             </a:ext>
             <a:ext uri="{91240B29-F687-4f45-9708-019B960494DF}">
-              <a14:hiddenLine xmlns:a14="http://schemas.microsoft.com/office/drawing/2010/main" xmlns="" w="9525">
+              <a14:hiddenLine xmlns="" xmlns:a14="http://schemas.microsoft.com/office/drawing/2010/main" w="9525">
                 <a:solidFill>
                   <a:srgbClr val="000000"/>
                 </a:solidFill>
@@ -26950,7 +26950,7 @@
               </a14:hiddenLine>
             </a:ext>
             <a:ext uri="{AF507438-7753-43e0-B8FC-AC1667EBCBE1}">
-              <a14:hiddenEffects xmlns:a14="http://schemas.microsoft.com/office/drawing/2010/main" xmlns="">
+              <a14:hiddenEffects xmlns="" xmlns:a14="http://schemas.microsoft.com/office/drawing/2010/main">
                 <a:effectLst>
                   <a:outerShdw blurRad="63500" dist="38099" dir="2700000" algn="ctr" rotWithShape="0">
                     <a:schemeClr val="bg2">
@@ -28431,14 +28431,14 @@
           <a:effectLst/>
           <a:extLst>
             <a:ext uri="{909E8E84-426E-40dd-AFC4-6F175D3DCCD1}">
-              <a14:hiddenFill xmlns:a14="http://schemas.microsoft.com/office/drawing/2010/main" xmlns="">
+              <a14:hiddenFill xmlns="" xmlns:a14="http://schemas.microsoft.com/office/drawing/2010/main">
                 <a:solidFill>
                   <a:schemeClr val="accent1"/>
                 </a:solidFill>
               </a14:hiddenFill>
             </a:ext>
             <a:ext uri="{91240B29-F687-4f45-9708-019B960494DF}">
-              <a14:hiddenLine xmlns:a14="http://schemas.microsoft.com/office/drawing/2010/main" xmlns="" w="9525">
+              <a14:hiddenLine xmlns="" xmlns:a14="http://schemas.microsoft.com/office/drawing/2010/main" w="9525">
                 <a:solidFill>
                   <a:srgbClr val="000000"/>
                 </a:solidFill>
@@ -28448,7 +28448,7 @@
               </a14:hiddenLine>
             </a:ext>
             <a:ext uri="{AF507438-7753-43e0-B8FC-AC1667EBCBE1}">
-              <a14:hiddenEffects xmlns:a14="http://schemas.microsoft.com/office/drawing/2010/main" xmlns="">
+              <a14:hiddenEffects xmlns="" xmlns:a14="http://schemas.microsoft.com/office/drawing/2010/main">
                 <a:effectLst>
                   <a:outerShdw blurRad="63500" dist="38099" dir="2700000" algn="ctr" rotWithShape="0">
                     <a:schemeClr val="bg2">
@@ -29966,14 +29966,14 @@
           <a:effectLst/>
           <a:extLst>
             <a:ext uri="{909E8E84-426E-40dd-AFC4-6F175D3DCCD1}">
-              <a14:hiddenFill xmlns:a14="http://schemas.microsoft.com/office/drawing/2010/main" xmlns="">
+              <a14:hiddenFill xmlns="" xmlns:a14="http://schemas.microsoft.com/office/drawing/2010/main">
                 <a:solidFill>
                   <a:schemeClr val="accent1"/>
                 </a:solidFill>
               </a14:hiddenFill>
             </a:ext>
             <a:ext uri="{91240B29-F687-4f45-9708-019B960494DF}">
-              <a14:hiddenLine xmlns:a14="http://schemas.microsoft.com/office/drawing/2010/main" xmlns="" w="9525">
+              <a14:hiddenLine xmlns="" xmlns:a14="http://schemas.microsoft.com/office/drawing/2010/main" w="9525">
                 <a:solidFill>
                   <a:srgbClr val="000000"/>
                 </a:solidFill>
@@ -29983,7 +29983,7 @@
               </a14:hiddenLine>
             </a:ext>
             <a:ext uri="{AF507438-7753-43e0-B8FC-AC1667EBCBE1}">
-              <a14:hiddenEffects xmlns:a14="http://schemas.microsoft.com/office/drawing/2010/main" xmlns="">
+              <a14:hiddenEffects xmlns="" xmlns:a14="http://schemas.microsoft.com/office/drawing/2010/main">
                 <a:effectLst>
                   <a:outerShdw blurRad="63500" dist="38099" dir="2700000" algn="ctr" rotWithShape="0">
                     <a:schemeClr val="bg2">
@@ -33572,14 +33572,14 @@
           <a:effectLst/>
           <a:extLst>
             <a:ext uri="{909E8E84-426E-40dd-AFC4-6F175D3DCCD1}">
-              <a14:hiddenFill xmlns:a14="http://schemas.microsoft.com/office/drawing/2010/main" xmlns="">
+              <a14:hiddenFill xmlns="" xmlns:a14="http://schemas.microsoft.com/office/drawing/2010/main">
                 <a:solidFill>
                   <a:schemeClr val="accent1"/>
                 </a:solidFill>
               </a14:hiddenFill>
             </a:ext>
             <a:ext uri="{91240B29-F687-4f45-9708-019B960494DF}">
-              <a14:hiddenLine xmlns:a14="http://schemas.microsoft.com/office/drawing/2010/main" xmlns="" w="9525">
+              <a14:hiddenLine xmlns="" xmlns:a14="http://schemas.microsoft.com/office/drawing/2010/main" w="9525">
                 <a:solidFill>
                   <a:srgbClr val="000000"/>
                 </a:solidFill>
@@ -33589,7 +33589,7 @@
               </a14:hiddenLine>
             </a:ext>
             <a:ext uri="{AF507438-7753-43e0-B8FC-AC1667EBCBE1}">
-              <a14:hiddenEffects xmlns:a14="http://schemas.microsoft.com/office/drawing/2010/main" xmlns="">
+              <a14:hiddenEffects xmlns="" xmlns:a14="http://schemas.microsoft.com/office/drawing/2010/main">
                 <a:effectLst>
                   <a:outerShdw blurRad="63500" dist="38099" dir="2700000" algn="ctr" rotWithShape="0">
                     <a:schemeClr val="bg2">
@@ -33773,14 +33773,14 @@
           <a:effectLst/>
           <a:extLst>
             <a:ext uri="{909E8E84-426E-40dd-AFC4-6F175D3DCCD1}">
-              <a14:hiddenFill xmlns:a14="http://schemas.microsoft.com/office/drawing/2010/main" xmlns="">
+              <a14:hiddenFill xmlns="" xmlns:a14="http://schemas.microsoft.com/office/drawing/2010/main">
                 <a:solidFill>
                   <a:schemeClr val="accent1"/>
                 </a:solidFill>
               </a14:hiddenFill>
             </a:ext>
             <a:ext uri="{91240B29-F687-4f45-9708-019B960494DF}">
-              <a14:hiddenLine xmlns:a14="http://schemas.microsoft.com/office/drawing/2010/main" xmlns="" w="9525">
+              <a14:hiddenLine xmlns="" xmlns:a14="http://schemas.microsoft.com/office/drawing/2010/main" w="9525">
                 <a:solidFill>
                   <a:srgbClr val="000000"/>
                 </a:solidFill>
@@ -33790,7 +33790,7 @@
               </a14:hiddenLine>
             </a:ext>
             <a:ext uri="{AF507438-7753-43e0-B8FC-AC1667EBCBE1}">
-              <a14:hiddenEffects xmlns:a14="http://schemas.microsoft.com/office/drawing/2010/main" xmlns="">
+              <a14:hiddenEffects xmlns="" xmlns:a14="http://schemas.microsoft.com/office/drawing/2010/main">
                 <a:effectLst>
                   <a:outerShdw blurRad="63500" dist="38099" dir="2700000" algn="ctr" rotWithShape="0">
                     <a:schemeClr val="bg2">
@@ -33852,14 +33852,14 @@
           <a:effectLst/>
           <a:extLst>
             <a:ext uri="{909E8E84-426E-40dd-AFC4-6F175D3DCCD1}">
-              <a14:hiddenFill xmlns:a14="http://schemas.microsoft.com/office/drawing/2010/main" xmlns="">
+              <a14:hiddenFill xmlns="" xmlns:a14="http://schemas.microsoft.com/office/drawing/2010/main">
                 <a:solidFill>
                   <a:schemeClr val="accent1"/>
                 </a:solidFill>
               </a14:hiddenFill>
             </a:ext>
             <a:ext uri="{91240B29-F687-4f45-9708-019B960494DF}">
-              <a14:hiddenLine xmlns:a14="http://schemas.microsoft.com/office/drawing/2010/main" xmlns="" w="9525">
+              <a14:hiddenLine xmlns="" xmlns:a14="http://schemas.microsoft.com/office/drawing/2010/main" w="9525">
                 <a:solidFill>
                   <a:schemeClr val="tx1"/>
                 </a:solidFill>
@@ -33869,7 +33869,7 @@
               </a14:hiddenLine>
             </a:ext>
             <a:ext uri="{AF507438-7753-43e0-B8FC-AC1667EBCBE1}">
-              <a14:hiddenEffects xmlns:a14="http://schemas.microsoft.com/office/drawing/2010/main" xmlns="">
+              <a14:hiddenEffects xmlns="" xmlns:a14="http://schemas.microsoft.com/office/drawing/2010/main">
                 <a:effectLst>
                   <a:outerShdw blurRad="63500" dist="38099" dir="2700000" algn="ctr" rotWithShape="0">
                     <a:schemeClr val="bg2">

--- a/PPT/J9-输入输出流.pptx
+++ b/PPT/J9-输入输出流.pptx
@@ -3680,7 +3680,7 @@
             <a:buNone/>
           </a:pPr>
           <a:r>
-            <a:rPr lang="zh-CN" sz="4500" b="1" kern="1200" dirty="0">
+            <a:rPr lang="en-US" altLang="zh-CN" sz="4500" b="1" kern="1200" dirty="0">
               <a:solidFill>
                 <a:schemeClr val="bg1"/>
               </a:solidFill>
@@ -3692,7 +3692,7 @@
             <a:t>I/O</a:t>
           </a:r>
           <a:r>
-            <a:rPr lang="zh-CN" sz="4500" kern="1200" dirty="0">
+            <a:rPr lang="zh-CN" altLang="en-US" sz="4500" kern="1200" dirty="0">
               <a:solidFill>
                 <a:schemeClr val="bg1"/>
               </a:solidFill>
@@ -3703,7 +3703,7 @@
             </a:rPr>
             <a:t>基本原理</a:t>
           </a:r>
-          <a:endParaRPr lang="zh-CN" sz="4500" kern="1200" dirty="0">
+          <a:endParaRPr lang="zh-CN" altLang="en-US" sz="4500" kern="1200" dirty="0">
             <a:solidFill>
               <a:schemeClr val="bg1"/>
             </a:solidFill>
@@ -3829,7 +3829,7 @@
             <a:buNone/>
           </a:pPr>
           <a:r>
-            <a:rPr lang="zh-CN" sz="4500" kern="1200" dirty="0">
+            <a:rPr lang="zh-CN" altLang="en-US" sz="4500" kern="1200" dirty="0">
               <a:solidFill>
                 <a:schemeClr val="bg1"/>
               </a:solidFill>
@@ -3840,7 +3840,7 @@
             <a:t>文件及文件</a:t>
           </a:r>
           <a:r>
-            <a:rPr lang="zh-CN" sz="4500" b="1" kern="1200" dirty="0">
+            <a:rPr lang="en-US" altLang="zh-CN" sz="4500" b="1" kern="1200" dirty="0">
               <a:solidFill>
                 <a:schemeClr val="bg1"/>
               </a:solidFill>
@@ -3850,7 +3850,7 @@
             </a:rPr>
             <a:t>I/O</a:t>
           </a:r>
-          <a:endParaRPr lang="zh-CN" altLang="zh-CN" sz="4500" kern="1200" dirty="0">
+          <a:endParaRPr lang="zh-CN" altLang="en-US" sz="4500" kern="1200" dirty="0">
             <a:solidFill>
               <a:schemeClr val="bg1"/>
             </a:solidFill>
@@ -3976,7 +3976,7 @@
             <a:buNone/>
           </a:pPr>
           <a:r>
-            <a:rPr lang="zh-CN" sz="4500" kern="1200" dirty="0">
+            <a:rPr lang="zh-CN" altLang="en-US" sz="4500" kern="1200" dirty="0">
               <a:solidFill>
                 <a:schemeClr val="bg1"/>
               </a:solidFill>
@@ -3986,7 +3986,7 @@
             </a:rPr>
             <a:t>字节流和字符流</a:t>
           </a:r>
-          <a:endParaRPr lang="zh-CN" altLang="zh-CN" sz="4500" kern="1200" dirty="0">
+          <a:endParaRPr lang="zh-CN" altLang="en-US" sz="4500" kern="1200" dirty="0">
             <a:solidFill>
               <a:schemeClr val="bg1"/>
             </a:solidFill>
@@ -4112,7 +4112,7 @@
             <a:buNone/>
           </a:pPr>
           <a:r>
-            <a:rPr lang="zh-CN" sz="4500" kern="1200" dirty="0">
+            <a:rPr lang="zh-CN" altLang="en-US" sz="4500" kern="1200" dirty="0">
               <a:solidFill>
                 <a:schemeClr val="bg1"/>
               </a:solidFill>
@@ -4123,7 +4123,7 @@
             </a:rPr>
             <a:t>管道输入输出流类</a:t>
           </a:r>
-          <a:endParaRPr lang="zh-CN" altLang="zh-CN" sz="4500" kern="1200" dirty="0">
+          <a:endParaRPr lang="zh-CN" altLang="en-US" sz="4500" kern="1200" dirty="0">
             <a:solidFill>
               <a:schemeClr val="bg1"/>
             </a:solidFill>
@@ -4261,7 +4261,7 @@
             <a:buNone/>
           </a:pPr>
           <a:r>
-            <a:rPr lang="en-US" altLang="zh-CN" sz="4500" b="1" kern="1200" dirty="0">
+            <a:rPr lang="zh-CN" sz="4500" b="1" kern="1200" dirty="0">
               <a:solidFill>
                 <a:schemeClr val="bg1"/>
               </a:solidFill>
@@ -4273,7 +4273,7 @@
             <a:t>I/O</a:t>
           </a:r>
           <a:r>
-            <a:rPr lang="zh-CN" altLang="en-US" sz="4500" kern="1200" dirty="0">
+            <a:rPr lang="zh-CN" sz="4500" kern="1200" dirty="0">
               <a:solidFill>
                 <a:schemeClr val="bg1"/>
               </a:solidFill>
@@ -4284,7 +4284,7 @@
             </a:rPr>
             <a:t>基本原理</a:t>
           </a:r>
-          <a:endParaRPr lang="zh-CN" altLang="en-US" sz="4500" kern="1200" dirty="0">
+          <a:endParaRPr lang="zh-CN" sz="4500" kern="1200" dirty="0">
             <a:solidFill>
               <a:schemeClr val="bg1"/>
             </a:solidFill>
@@ -4407,7 +4407,7 @@
             <a:buNone/>
           </a:pPr>
           <a:r>
-            <a:rPr lang="zh-CN" altLang="en-US" sz="4500" kern="1200" dirty="0">
+            <a:rPr lang="zh-CN" sz="4500" kern="1200" dirty="0">
               <a:solidFill>
                 <a:schemeClr val="bg1"/>
               </a:solidFill>
@@ -4418,7 +4418,7 @@
             <a:t>文件及文件</a:t>
           </a:r>
           <a:r>
-            <a:rPr lang="en-US" altLang="zh-CN" sz="4500" b="1" kern="1200" dirty="0">
+            <a:rPr lang="zh-CN" sz="4500" b="1" kern="1200" dirty="0">
               <a:solidFill>
                 <a:schemeClr val="bg1"/>
               </a:solidFill>
@@ -4428,7 +4428,7 @@
             </a:rPr>
             <a:t>I/O</a:t>
           </a:r>
-          <a:endParaRPr lang="zh-CN" altLang="en-US" sz="4500" kern="1200" dirty="0">
+          <a:endParaRPr lang="zh-CN" altLang="zh-CN" sz="4500" kern="1200" dirty="0">
             <a:solidFill>
               <a:schemeClr val="bg1"/>
             </a:solidFill>
@@ -4839,7 +4839,7 @@
             <a:buNone/>
           </a:pPr>
           <a:r>
-            <a:rPr lang="en-US" altLang="zh-CN" sz="4500" b="1" kern="1200" dirty="0">
+            <a:rPr lang="zh-CN" sz="4500" b="1" kern="1200" dirty="0">
               <a:solidFill>
                 <a:schemeClr val="bg1"/>
               </a:solidFill>
@@ -4851,7 +4851,7 @@
             <a:t>I/O</a:t>
           </a:r>
           <a:r>
-            <a:rPr lang="zh-CN" altLang="en-US" sz="4500" kern="1200" dirty="0">
+            <a:rPr lang="zh-CN" sz="4500" kern="1200" dirty="0">
               <a:solidFill>
                 <a:schemeClr val="bg1"/>
               </a:solidFill>
@@ -4862,7 +4862,7 @@
             </a:rPr>
             <a:t>基本原理</a:t>
           </a:r>
-          <a:endParaRPr lang="zh-CN" altLang="en-US" sz="4500" kern="1200" dirty="0">
+          <a:endParaRPr lang="zh-CN" sz="4500" kern="1200" dirty="0">
             <a:solidFill>
               <a:schemeClr val="bg1"/>
             </a:solidFill>
@@ -4988,7 +4988,7 @@
             <a:buNone/>
           </a:pPr>
           <a:r>
-            <a:rPr lang="zh-CN" altLang="en-US" sz="4500" kern="1200" dirty="0">
+            <a:rPr lang="zh-CN" sz="4500" kern="1200" dirty="0">
               <a:solidFill>
                 <a:schemeClr val="bg1"/>
               </a:solidFill>
@@ -4999,7 +4999,7 @@
             <a:t>文件及文件</a:t>
           </a:r>
           <a:r>
-            <a:rPr lang="en-US" altLang="zh-CN" sz="4500" b="1" kern="1200" dirty="0">
+            <a:rPr lang="zh-CN" sz="4500" b="1" kern="1200" dirty="0">
               <a:solidFill>
                 <a:schemeClr val="bg1"/>
               </a:solidFill>
@@ -5009,7 +5009,7 @@
             </a:rPr>
             <a:t>I/O</a:t>
           </a:r>
-          <a:endParaRPr lang="zh-CN" altLang="en-US" sz="4500" kern="1200" dirty="0">
+          <a:endParaRPr lang="zh-CN" altLang="zh-CN" sz="4500" kern="1200" dirty="0">
             <a:solidFill>
               <a:schemeClr val="bg1"/>
             </a:solidFill>
@@ -9016,7 +9016,7 @@
                 <a:latin typeface="微软雅黑" panose="020B0503020204020204" pitchFamily="34" charset="-122"/>
                 <a:ea typeface="微软雅黑" panose="020B0503020204020204" pitchFamily="34" charset="-122"/>
               </a:rPr>
-              <a:t>2020年10月15日</a:t>
+              <a:t>2020年10月22日</a:t>
             </a:fld>
             <a:endParaRPr lang="zh-CN" altLang="en-US" dirty="0">
               <a:latin typeface="微软雅黑" panose="020B0503020204020204" pitchFamily="34" charset="-122"/>
@@ -9202,7 +9202,7 @@
             <a:fld id="{EA50F75F-AD11-4973-BAED-59A0098129E9}" type="datetime2">
               <a:rPr lang="zh-CN" altLang="en-US" smtClean="0"/>
               <a:pPr/>
-              <a:t>2020年10月15日</a:t>
+              <a:t>2020年10月22日</a:t>
             </a:fld>
             <a:endParaRPr lang="zh-CN" altLang="en-US" dirty="0"/>
           </a:p>
@@ -9872,6 +9872,91 @@
     <p:extLst>
       <p:ext uri="{BB962C8B-B14F-4D97-AF65-F5344CB8AC3E}">
         <p14:creationId xmlns:p14="http://schemas.microsoft.com/office/powerpoint/2010/main" val="1669945824"/>
+      </p:ext>
+    </p:extLst>
+  </p:cSld>
+  <p:clrMapOvr>
+    <a:masterClrMapping/>
+  </p:clrMapOvr>
+</p:notes>
+</file>
+
+<file path=ppt/notesSlides/notesSlide3.xml><?xml version="1.0" encoding="utf-8"?>
+<p:notes xmlns:a="http://schemas.openxmlformats.org/drawingml/2006/main" xmlns:r="http://schemas.openxmlformats.org/officeDocument/2006/relationships" xmlns:p="http://schemas.openxmlformats.org/presentationml/2006/main">
+  <p:cSld>
+    <p:spTree>
+      <p:nvGrpSpPr>
+        <p:cNvPr id="1" name=""/>
+        <p:cNvGrpSpPr/>
+        <p:nvPr/>
+      </p:nvGrpSpPr>
+      <p:grpSpPr>
+        <a:xfrm>
+          <a:off x="0" y="0"/>
+          <a:ext cx="0" cy="0"/>
+          <a:chOff x="0" y="0"/>
+          <a:chExt cx="0" cy="0"/>
+        </a:xfrm>
+      </p:grpSpPr>
+      <p:sp>
+        <p:nvSpPr>
+          <p:cNvPr id="2" name="幻灯片图像占位符 1"/>
+          <p:cNvSpPr>
+            <a:spLocks noGrp="1" noRot="1" noChangeAspect="1"/>
+          </p:cNvSpPr>
+          <p:nvPr>
+            <p:ph type="sldImg"/>
+          </p:nvPr>
+        </p:nvSpPr>
+        <p:spPr/>
+      </p:sp>
+      <p:sp>
+        <p:nvSpPr>
+          <p:cNvPr id="3" name="备注占位符 2"/>
+          <p:cNvSpPr>
+            <a:spLocks noGrp="1"/>
+          </p:cNvSpPr>
+          <p:nvPr>
+            <p:ph type="body" idx="1"/>
+          </p:nvPr>
+        </p:nvSpPr>
+        <p:spPr/>
+        <p:txBody>
+          <a:bodyPr/>
+          <a:lstStyle/>
+          <a:p>
+            <a:endParaRPr lang="zh-CN" altLang="en-US" dirty="0"/>
+          </a:p>
+        </p:txBody>
+      </p:sp>
+      <p:sp>
+        <p:nvSpPr>
+          <p:cNvPr id="4" name="灯片编号占位符 3"/>
+          <p:cNvSpPr>
+            <a:spLocks noGrp="1"/>
+          </p:cNvSpPr>
+          <p:nvPr>
+            <p:ph type="sldNum" sz="quarter" idx="5"/>
+          </p:nvPr>
+        </p:nvSpPr>
+        <p:spPr/>
+        <p:txBody>
+          <a:bodyPr/>
+          <a:lstStyle/>
+          <a:p>
+            <a:fld id="{82869989-EB00-4EE7-BCB5-25BDC5BB29F8}" type="slidenum">
+              <a:rPr lang="en-US" altLang="zh-CN" smtClean="0"/>
+              <a:pPr/>
+              <a:t>50</a:t>
+            </a:fld>
+            <a:endParaRPr lang="zh-CN" altLang="en-US" dirty="0"/>
+          </a:p>
+        </p:txBody>
+      </p:sp>
+    </p:spTree>
+    <p:extLst>
+      <p:ext uri="{BB962C8B-B14F-4D97-AF65-F5344CB8AC3E}">
+        <p14:creationId xmlns:p14="http://schemas.microsoft.com/office/powerpoint/2010/main" val="3881217720"/>
       </p:ext>
     </p:extLst>
   </p:cSld>
@@ -17342,7 +17427,7 @@
             <a:fld id="{B432DCC3-517C-49BA-ABA2-B2F6E7404DD7}" type="datetime2">
               <a:rPr lang="zh-CN" altLang="en-US" smtClean="0"/>
               <a:pPr/>
-              <a:t>2020年10月15日</a:t>
+              <a:t>2020年10月22日</a:t>
             </a:fld>
             <a:endParaRPr lang="zh-CN" altLang="en-US" dirty="0"/>
           </a:p>
@@ -21193,14 +21278,14 @@
           <a:effectLst/>
           <a:extLst>
             <a:ext uri="{909E8E84-426E-40dd-AFC4-6F175D3DCCD1}">
-              <a14:hiddenFill xmlns="" xmlns:a14="http://schemas.microsoft.com/office/drawing/2010/main">
+              <a14:hiddenFill xmlns:a14="http://schemas.microsoft.com/office/drawing/2010/main" xmlns="">
                 <a:solidFill>
                   <a:schemeClr val="accent1"/>
                 </a:solidFill>
               </a14:hiddenFill>
             </a:ext>
             <a:ext uri="{91240B29-F687-4f45-9708-019B960494DF}">
-              <a14:hiddenLine xmlns="" xmlns:a14="http://schemas.microsoft.com/office/drawing/2010/main" w="9525">
+              <a14:hiddenLine xmlns:a14="http://schemas.microsoft.com/office/drawing/2010/main" xmlns="" w="9525">
                 <a:solidFill>
                   <a:schemeClr val="tx1"/>
                 </a:solidFill>
@@ -21210,7 +21295,7 @@
               </a14:hiddenLine>
             </a:ext>
             <a:ext uri="{AF507438-7753-43e0-B8FC-AC1667EBCBE1}">
-              <a14:hiddenEffects xmlns="" xmlns:a14="http://schemas.microsoft.com/office/drawing/2010/main">
+              <a14:hiddenEffects xmlns:a14="http://schemas.microsoft.com/office/drawing/2010/main" xmlns="">
                 <a:effectLst>
                   <a:outerShdw blurRad="63500" dist="38099" dir="2700000" algn="ctr" rotWithShape="0">
                     <a:schemeClr val="bg2">
@@ -21377,14 +21462,14 @@
           <a:effectLst/>
           <a:extLst>
             <a:ext uri="{909E8E84-426E-40dd-AFC4-6F175D3DCCD1}">
-              <a14:hiddenFill xmlns="" xmlns:a14="http://schemas.microsoft.com/office/drawing/2010/main">
+              <a14:hiddenFill xmlns:a14="http://schemas.microsoft.com/office/drawing/2010/main" xmlns="">
                 <a:solidFill>
                   <a:schemeClr val="accent1"/>
                 </a:solidFill>
               </a14:hiddenFill>
             </a:ext>
             <a:ext uri="{91240B29-F687-4f45-9708-019B960494DF}">
-              <a14:hiddenLine xmlns="" xmlns:a14="http://schemas.microsoft.com/office/drawing/2010/main" w="9525">
+              <a14:hiddenLine xmlns:a14="http://schemas.microsoft.com/office/drawing/2010/main" xmlns="" w="9525">
                 <a:solidFill>
                   <a:srgbClr val="000000"/>
                 </a:solidFill>
@@ -21394,7 +21479,7 @@
               </a14:hiddenLine>
             </a:ext>
             <a:ext uri="{AF507438-7753-43e0-B8FC-AC1667EBCBE1}">
-              <a14:hiddenEffects xmlns="" xmlns:a14="http://schemas.microsoft.com/office/drawing/2010/main">
+              <a14:hiddenEffects xmlns:a14="http://schemas.microsoft.com/office/drawing/2010/main" xmlns="">
                 <a:effectLst>
                   <a:outerShdw blurRad="63500" dist="38099" dir="2700000" algn="ctr" rotWithShape="0">
                     <a:schemeClr val="bg2">
@@ -21455,14 +21540,14 @@
           <a:effectLst/>
           <a:extLst>
             <a:ext uri="{909E8E84-426E-40dd-AFC4-6F175D3DCCD1}">
-              <a14:hiddenFill xmlns="" xmlns:a14="http://schemas.microsoft.com/office/drawing/2010/main">
+              <a14:hiddenFill xmlns:a14="http://schemas.microsoft.com/office/drawing/2010/main" xmlns="">
                 <a:solidFill>
                   <a:schemeClr val="accent1"/>
                 </a:solidFill>
               </a14:hiddenFill>
             </a:ext>
             <a:ext uri="{91240B29-F687-4f45-9708-019B960494DF}">
-              <a14:hiddenLine xmlns="" xmlns:a14="http://schemas.microsoft.com/office/drawing/2010/main" w="9525">
+              <a14:hiddenLine xmlns:a14="http://schemas.microsoft.com/office/drawing/2010/main" xmlns="" w="9525">
                 <a:solidFill>
                   <a:schemeClr val="tx1"/>
                 </a:solidFill>
@@ -21472,7 +21557,7 @@
               </a14:hiddenLine>
             </a:ext>
             <a:ext uri="{AF507438-7753-43e0-B8FC-AC1667EBCBE1}">
-              <a14:hiddenEffects xmlns="" xmlns:a14="http://schemas.microsoft.com/office/drawing/2010/main">
+              <a14:hiddenEffects xmlns:a14="http://schemas.microsoft.com/office/drawing/2010/main" xmlns="">
                 <a:effectLst>
                   <a:outerShdw blurRad="63500" dist="38099" dir="2700000" algn="ctr" rotWithShape="0">
                     <a:schemeClr val="bg2">
@@ -21520,14 +21605,14 @@
           <a:effectLst/>
           <a:extLst>
             <a:ext uri="{909E8E84-426E-40dd-AFC4-6F175D3DCCD1}">
-              <a14:hiddenFill xmlns="" xmlns:a14="http://schemas.microsoft.com/office/drawing/2010/main">
+              <a14:hiddenFill xmlns:a14="http://schemas.microsoft.com/office/drawing/2010/main" xmlns="">
                 <a:solidFill>
                   <a:schemeClr val="accent1"/>
                 </a:solidFill>
               </a14:hiddenFill>
             </a:ext>
             <a:ext uri="{91240B29-F687-4f45-9708-019B960494DF}">
-              <a14:hiddenLine xmlns="" xmlns:a14="http://schemas.microsoft.com/office/drawing/2010/main" w="9525">
+              <a14:hiddenLine xmlns:a14="http://schemas.microsoft.com/office/drawing/2010/main" xmlns="" w="9525">
                 <a:solidFill>
                   <a:schemeClr val="tx1"/>
                 </a:solidFill>
@@ -21537,7 +21622,7 @@
               </a14:hiddenLine>
             </a:ext>
             <a:ext uri="{AF507438-7753-43e0-B8FC-AC1667EBCBE1}">
-              <a14:hiddenEffects xmlns="" xmlns:a14="http://schemas.microsoft.com/office/drawing/2010/main">
+              <a14:hiddenEffects xmlns:a14="http://schemas.microsoft.com/office/drawing/2010/main" xmlns="">
                 <a:effectLst>
                   <a:outerShdw blurRad="63500" dist="38099" dir="2700000" algn="ctr" rotWithShape="0">
                     <a:schemeClr val="bg2">
@@ -21690,14 +21775,14 @@
           <a:effectLst/>
           <a:extLst>
             <a:ext uri="{909E8E84-426E-40dd-AFC4-6F175D3DCCD1}">
-              <a14:hiddenFill xmlns="" xmlns:a14="http://schemas.microsoft.com/office/drawing/2010/main">
+              <a14:hiddenFill xmlns:a14="http://schemas.microsoft.com/office/drawing/2010/main" xmlns="">
                 <a:solidFill>
                   <a:schemeClr val="accent1"/>
                 </a:solidFill>
               </a14:hiddenFill>
             </a:ext>
             <a:ext uri="{91240B29-F687-4f45-9708-019B960494DF}">
-              <a14:hiddenLine xmlns="" xmlns:a14="http://schemas.microsoft.com/office/drawing/2010/main" w="9525">
+              <a14:hiddenLine xmlns:a14="http://schemas.microsoft.com/office/drawing/2010/main" xmlns="" w="9525">
                 <a:solidFill>
                   <a:srgbClr val="000000"/>
                 </a:solidFill>
@@ -21707,7 +21792,7 @@
               </a14:hiddenLine>
             </a:ext>
             <a:ext uri="{AF507438-7753-43e0-B8FC-AC1667EBCBE1}">
-              <a14:hiddenEffects xmlns="" xmlns:a14="http://schemas.microsoft.com/office/drawing/2010/main">
+              <a14:hiddenEffects xmlns:a14="http://schemas.microsoft.com/office/drawing/2010/main" xmlns="">
                 <a:effectLst>
                   <a:outerShdw blurRad="63500" dist="38099" dir="2700000" algn="ctr" rotWithShape="0">
                     <a:schemeClr val="bg2">
@@ -21768,14 +21853,14 @@
           <a:effectLst/>
           <a:extLst>
             <a:ext uri="{909E8E84-426E-40dd-AFC4-6F175D3DCCD1}">
-              <a14:hiddenFill xmlns="" xmlns:a14="http://schemas.microsoft.com/office/drawing/2010/main">
+              <a14:hiddenFill xmlns:a14="http://schemas.microsoft.com/office/drawing/2010/main" xmlns="">
                 <a:solidFill>
                   <a:schemeClr val="accent1"/>
                 </a:solidFill>
               </a14:hiddenFill>
             </a:ext>
             <a:ext uri="{91240B29-F687-4f45-9708-019B960494DF}">
-              <a14:hiddenLine xmlns="" xmlns:a14="http://schemas.microsoft.com/office/drawing/2010/main" w="9525">
+              <a14:hiddenLine xmlns:a14="http://schemas.microsoft.com/office/drawing/2010/main" xmlns="" w="9525">
                 <a:solidFill>
                   <a:schemeClr val="tx1"/>
                 </a:solidFill>
@@ -21785,7 +21870,7 @@
               </a14:hiddenLine>
             </a:ext>
             <a:ext uri="{AF507438-7753-43e0-B8FC-AC1667EBCBE1}">
-              <a14:hiddenEffects xmlns="" xmlns:a14="http://schemas.microsoft.com/office/drawing/2010/main">
+              <a14:hiddenEffects xmlns:a14="http://schemas.microsoft.com/office/drawing/2010/main" xmlns="">
                 <a:effectLst>
                   <a:outerShdw blurRad="63500" dist="38099" dir="2700000" algn="ctr" rotWithShape="0">
                     <a:schemeClr val="bg2">
@@ -21982,14 +22067,14 @@
           <a:effectLst/>
           <a:extLst>
             <a:ext uri="{909E8E84-426E-40dd-AFC4-6F175D3DCCD1}">
-              <a14:hiddenFill xmlns="" xmlns:a14="http://schemas.microsoft.com/office/drawing/2010/main">
+              <a14:hiddenFill xmlns:a14="http://schemas.microsoft.com/office/drawing/2010/main" xmlns="">
                 <a:solidFill>
                   <a:schemeClr val="accent1"/>
                 </a:solidFill>
               </a14:hiddenFill>
             </a:ext>
             <a:ext uri="{91240B29-F687-4f45-9708-019B960494DF}">
-              <a14:hiddenLine xmlns="" xmlns:a14="http://schemas.microsoft.com/office/drawing/2010/main" w="9525">
+              <a14:hiddenLine xmlns:a14="http://schemas.microsoft.com/office/drawing/2010/main" xmlns="" w="9525">
                 <a:solidFill>
                   <a:srgbClr val="000000"/>
                 </a:solidFill>
@@ -21999,7 +22084,7 @@
               </a14:hiddenLine>
             </a:ext>
             <a:ext uri="{AF507438-7753-43e0-B8FC-AC1667EBCBE1}">
-              <a14:hiddenEffects xmlns="" xmlns:a14="http://schemas.microsoft.com/office/drawing/2010/main">
+              <a14:hiddenEffects xmlns:a14="http://schemas.microsoft.com/office/drawing/2010/main" xmlns="">
                 <a:effectLst>
                   <a:outerShdw blurRad="63500" dist="38099" dir="2700000" algn="ctr" rotWithShape="0">
                     <a:schemeClr val="bg2">
@@ -22157,14 +22242,14 @@
           <a:effectLst/>
           <a:extLst>
             <a:ext uri="{909E8E84-426E-40dd-AFC4-6F175D3DCCD1}">
-              <a14:hiddenFill xmlns="" xmlns:a14="http://schemas.microsoft.com/office/drawing/2010/main">
+              <a14:hiddenFill xmlns:a14="http://schemas.microsoft.com/office/drawing/2010/main" xmlns="">
                 <a:solidFill>
                   <a:schemeClr val="accent1"/>
                 </a:solidFill>
               </a14:hiddenFill>
             </a:ext>
             <a:ext uri="{91240B29-F687-4f45-9708-019B960494DF}">
-              <a14:hiddenLine xmlns="" xmlns:a14="http://schemas.microsoft.com/office/drawing/2010/main" w="9525">
+              <a14:hiddenLine xmlns:a14="http://schemas.microsoft.com/office/drawing/2010/main" xmlns="" w="9525">
                 <a:solidFill>
                   <a:srgbClr val="000000"/>
                 </a:solidFill>
@@ -22174,7 +22259,7 @@
               </a14:hiddenLine>
             </a:ext>
             <a:ext uri="{AF507438-7753-43e0-B8FC-AC1667EBCBE1}">
-              <a14:hiddenEffects xmlns="" xmlns:a14="http://schemas.microsoft.com/office/drawing/2010/main">
+              <a14:hiddenEffects xmlns:a14="http://schemas.microsoft.com/office/drawing/2010/main" xmlns="">
                 <a:effectLst>
                   <a:outerShdw blurRad="63500" dist="38099" dir="2700000" algn="ctr" rotWithShape="0">
                     <a:schemeClr val="bg2">
@@ -22235,14 +22320,14 @@
           <a:effectLst/>
           <a:extLst>
             <a:ext uri="{909E8E84-426E-40dd-AFC4-6F175D3DCCD1}">
-              <a14:hiddenFill xmlns="" xmlns:a14="http://schemas.microsoft.com/office/drawing/2010/main">
+              <a14:hiddenFill xmlns:a14="http://schemas.microsoft.com/office/drawing/2010/main" xmlns="">
                 <a:solidFill>
                   <a:schemeClr val="accent1"/>
                 </a:solidFill>
               </a14:hiddenFill>
             </a:ext>
             <a:ext uri="{91240B29-F687-4f45-9708-019B960494DF}">
-              <a14:hiddenLine xmlns="" xmlns:a14="http://schemas.microsoft.com/office/drawing/2010/main" w="9525">
+              <a14:hiddenLine xmlns:a14="http://schemas.microsoft.com/office/drawing/2010/main" xmlns="" w="9525">
                 <a:solidFill>
                   <a:schemeClr val="tx1"/>
                 </a:solidFill>
@@ -22252,7 +22337,7 @@
               </a14:hiddenLine>
             </a:ext>
             <a:ext uri="{AF507438-7753-43e0-B8FC-AC1667EBCBE1}">
-              <a14:hiddenEffects xmlns="" xmlns:a14="http://schemas.microsoft.com/office/drawing/2010/main">
+              <a14:hiddenEffects xmlns:a14="http://schemas.microsoft.com/office/drawing/2010/main" xmlns="">
                 <a:effectLst>
                   <a:outerShdw blurRad="63500" dist="38099" dir="2700000" algn="ctr" rotWithShape="0">
                     <a:schemeClr val="bg2">
@@ -22511,14 +22596,14 @@
           <a:effectLst/>
           <a:extLst>
             <a:ext uri="{909E8E84-426E-40dd-AFC4-6F175D3DCCD1}">
-              <a14:hiddenFill xmlns="" xmlns:a14="http://schemas.microsoft.com/office/drawing/2010/main">
+              <a14:hiddenFill xmlns:a14="http://schemas.microsoft.com/office/drawing/2010/main" xmlns="">
                 <a:solidFill>
                   <a:schemeClr val="accent1"/>
                 </a:solidFill>
               </a14:hiddenFill>
             </a:ext>
             <a:ext uri="{91240B29-F687-4f45-9708-019B960494DF}">
-              <a14:hiddenLine xmlns="" xmlns:a14="http://schemas.microsoft.com/office/drawing/2010/main" w="9525">
+              <a14:hiddenLine xmlns:a14="http://schemas.microsoft.com/office/drawing/2010/main" xmlns="" w="9525">
                 <a:solidFill>
                   <a:srgbClr val="000000"/>
                 </a:solidFill>
@@ -22528,7 +22613,7 @@
               </a14:hiddenLine>
             </a:ext>
             <a:ext uri="{AF507438-7753-43e0-B8FC-AC1667EBCBE1}">
-              <a14:hiddenEffects xmlns="" xmlns:a14="http://schemas.microsoft.com/office/drawing/2010/main">
+              <a14:hiddenEffects xmlns:a14="http://schemas.microsoft.com/office/drawing/2010/main" xmlns="">
                 <a:effectLst>
                   <a:outerShdw blurRad="63500" dist="38099" dir="2700000" algn="ctr" rotWithShape="0">
                     <a:schemeClr val="bg2">
@@ -22928,14 +23013,14 @@
           <a:effectLst/>
           <a:extLst>
             <a:ext uri="{909E8E84-426E-40dd-AFC4-6F175D3DCCD1}">
-              <a14:hiddenFill xmlns="" xmlns:a14="http://schemas.microsoft.com/office/drawing/2010/main">
+              <a14:hiddenFill xmlns:a14="http://schemas.microsoft.com/office/drawing/2010/main" xmlns="">
                 <a:solidFill>
                   <a:schemeClr val="accent1"/>
                 </a:solidFill>
               </a14:hiddenFill>
             </a:ext>
             <a:ext uri="{91240B29-F687-4f45-9708-019B960494DF}">
-              <a14:hiddenLine xmlns="" xmlns:a14="http://schemas.microsoft.com/office/drawing/2010/main" w="9525">
+              <a14:hiddenLine xmlns:a14="http://schemas.microsoft.com/office/drawing/2010/main" xmlns="" w="9525">
                 <a:solidFill>
                   <a:srgbClr val="000000"/>
                 </a:solidFill>
@@ -22945,7 +23030,7 @@
               </a14:hiddenLine>
             </a:ext>
             <a:ext uri="{AF507438-7753-43e0-B8FC-AC1667EBCBE1}">
-              <a14:hiddenEffects xmlns="" xmlns:a14="http://schemas.microsoft.com/office/drawing/2010/main">
+              <a14:hiddenEffects xmlns:a14="http://schemas.microsoft.com/office/drawing/2010/main" xmlns="">
                 <a:effectLst>
                   <a:outerShdw blurRad="63500" dist="38099" dir="2700000" algn="ctr" rotWithShape="0">
                     <a:schemeClr val="bg2">
@@ -23154,14 +23239,14 @@
           <a:effectLst/>
           <a:extLst>
             <a:ext uri="{909E8E84-426E-40dd-AFC4-6F175D3DCCD1}">
-              <a14:hiddenFill xmlns="" xmlns:a14="http://schemas.microsoft.com/office/drawing/2010/main">
+              <a14:hiddenFill xmlns:a14="http://schemas.microsoft.com/office/drawing/2010/main" xmlns="">
                 <a:solidFill>
                   <a:schemeClr val="accent1"/>
                 </a:solidFill>
               </a14:hiddenFill>
             </a:ext>
             <a:ext uri="{91240B29-F687-4f45-9708-019B960494DF}">
-              <a14:hiddenLine xmlns="" xmlns:a14="http://schemas.microsoft.com/office/drawing/2010/main" w="9525">
+              <a14:hiddenLine xmlns:a14="http://schemas.microsoft.com/office/drawing/2010/main" xmlns="" w="9525">
                 <a:solidFill>
                   <a:srgbClr val="000000"/>
                 </a:solidFill>
@@ -23171,7 +23256,7 @@
               </a14:hiddenLine>
             </a:ext>
             <a:ext uri="{AF507438-7753-43e0-B8FC-AC1667EBCBE1}">
-              <a14:hiddenEffects xmlns="" xmlns:a14="http://schemas.microsoft.com/office/drawing/2010/main">
+              <a14:hiddenEffects xmlns:a14="http://schemas.microsoft.com/office/drawing/2010/main" xmlns="">
                 <a:effectLst>
                   <a:outerShdw blurRad="63500" dist="38099" dir="2700000" algn="ctr" rotWithShape="0">
                     <a:schemeClr val="bg2">
@@ -23637,14 +23722,14 @@
           <a:effectLst/>
           <a:extLst>
             <a:ext uri="{909E8E84-426E-40dd-AFC4-6F175D3DCCD1}">
-              <a14:hiddenFill xmlns="" xmlns:a14="http://schemas.microsoft.com/office/drawing/2010/main">
+              <a14:hiddenFill xmlns:a14="http://schemas.microsoft.com/office/drawing/2010/main" xmlns="">
                 <a:solidFill>
                   <a:schemeClr val="accent1"/>
                 </a:solidFill>
               </a14:hiddenFill>
             </a:ext>
             <a:ext uri="{91240B29-F687-4f45-9708-019B960494DF}">
-              <a14:hiddenLine xmlns="" xmlns:a14="http://schemas.microsoft.com/office/drawing/2010/main" w="9525">
+              <a14:hiddenLine xmlns:a14="http://schemas.microsoft.com/office/drawing/2010/main" xmlns="" w="9525">
                 <a:solidFill>
                   <a:srgbClr val="000000"/>
                 </a:solidFill>
@@ -23654,7 +23739,7 @@
               </a14:hiddenLine>
             </a:ext>
             <a:ext uri="{AF507438-7753-43e0-B8FC-AC1667EBCBE1}">
-              <a14:hiddenEffects xmlns="" xmlns:a14="http://schemas.microsoft.com/office/drawing/2010/main">
+              <a14:hiddenEffects xmlns:a14="http://schemas.microsoft.com/office/drawing/2010/main" xmlns="">
                 <a:effectLst>
                   <a:outerShdw blurRad="63500" dist="38099" dir="2700000" algn="ctr" rotWithShape="0">
                     <a:schemeClr val="bg2">
@@ -24334,14 +24419,14 @@
           <a:effectLst/>
           <a:extLst>
             <a:ext uri="{909E8E84-426E-40dd-AFC4-6F175D3DCCD1}">
-              <a14:hiddenFill xmlns="" xmlns:a14="http://schemas.microsoft.com/office/drawing/2010/main">
+              <a14:hiddenFill xmlns:a14="http://schemas.microsoft.com/office/drawing/2010/main" xmlns="">
                 <a:solidFill>
                   <a:schemeClr val="accent1"/>
                 </a:solidFill>
               </a14:hiddenFill>
             </a:ext>
             <a:ext uri="{91240B29-F687-4f45-9708-019B960494DF}">
-              <a14:hiddenLine xmlns="" xmlns:a14="http://schemas.microsoft.com/office/drawing/2010/main" w="9525">
+              <a14:hiddenLine xmlns:a14="http://schemas.microsoft.com/office/drawing/2010/main" xmlns="" w="9525">
                 <a:solidFill>
                   <a:srgbClr val="000000"/>
                 </a:solidFill>
@@ -24351,7 +24436,7 @@
               </a14:hiddenLine>
             </a:ext>
             <a:ext uri="{AF507438-7753-43e0-B8FC-AC1667EBCBE1}">
-              <a14:hiddenEffects xmlns="" xmlns:a14="http://schemas.microsoft.com/office/drawing/2010/main">
+              <a14:hiddenEffects xmlns:a14="http://schemas.microsoft.com/office/drawing/2010/main" xmlns="">
                 <a:effectLst>
                   <a:outerShdw blurRad="63500" dist="38099" dir="2700000" algn="ctr" rotWithShape="0">
                     <a:schemeClr val="bg2">
@@ -24690,14 +24775,14 @@
           <a:effectLst/>
           <a:extLst>
             <a:ext uri="{909E8E84-426E-40dd-AFC4-6F175D3DCCD1}">
-              <a14:hiddenFill xmlns="" xmlns:a14="http://schemas.microsoft.com/office/drawing/2010/main">
+              <a14:hiddenFill xmlns:a14="http://schemas.microsoft.com/office/drawing/2010/main" xmlns="">
                 <a:solidFill>
                   <a:schemeClr val="accent1"/>
                 </a:solidFill>
               </a14:hiddenFill>
             </a:ext>
             <a:ext uri="{91240B29-F687-4f45-9708-019B960494DF}">
-              <a14:hiddenLine xmlns="" xmlns:a14="http://schemas.microsoft.com/office/drawing/2010/main" w="9525">
+              <a14:hiddenLine xmlns:a14="http://schemas.microsoft.com/office/drawing/2010/main" xmlns="" w="9525">
                 <a:solidFill>
                   <a:srgbClr val="000000"/>
                 </a:solidFill>
@@ -24707,7 +24792,7 @@
               </a14:hiddenLine>
             </a:ext>
             <a:ext uri="{AF507438-7753-43e0-B8FC-AC1667EBCBE1}">
-              <a14:hiddenEffects xmlns="" xmlns:a14="http://schemas.microsoft.com/office/drawing/2010/main">
+              <a14:hiddenEffects xmlns:a14="http://schemas.microsoft.com/office/drawing/2010/main" xmlns="">
                 <a:effectLst>
                   <a:outerShdw blurRad="63500" dist="38099" dir="2700000" algn="ctr" rotWithShape="0">
                     <a:schemeClr val="bg2">
@@ -24913,14 +24998,14 @@
           <a:effectLst/>
           <a:extLst>
             <a:ext uri="{909E8E84-426E-40dd-AFC4-6F175D3DCCD1}">
-              <a14:hiddenFill xmlns="" xmlns:a14="http://schemas.microsoft.com/office/drawing/2010/main">
+              <a14:hiddenFill xmlns:a14="http://schemas.microsoft.com/office/drawing/2010/main" xmlns="">
                 <a:solidFill>
                   <a:schemeClr val="accent1"/>
                 </a:solidFill>
               </a14:hiddenFill>
             </a:ext>
             <a:ext uri="{91240B29-F687-4f45-9708-019B960494DF}">
-              <a14:hiddenLine xmlns="" xmlns:a14="http://schemas.microsoft.com/office/drawing/2010/main" w="9525">
+              <a14:hiddenLine xmlns:a14="http://schemas.microsoft.com/office/drawing/2010/main" xmlns="" w="9525">
                 <a:solidFill>
                   <a:srgbClr val="000000"/>
                 </a:solidFill>
@@ -24930,7 +25015,7 @@
               </a14:hiddenLine>
             </a:ext>
             <a:ext uri="{AF507438-7753-43e0-B8FC-AC1667EBCBE1}">
-              <a14:hiddenEffects xmlns="" xmlns:a14="http://schemas.microsoft.com/office/drawing/2010/main">
+              <a14:hiddenEffects xmlns:a14="http://schemas.microsoft.com/office/drawing/2010/main" xmlns="">
                 <a:effectLst>
                   <a:outerShdw blurRad="63500" dist="38099" dir="2700000" algn="ctr" rotWithShape="0">
                     <a:schemeClr val="bg2">
@@ -25128,14 +25213,14 @@
           <a:effectLst/>
           <a:extLst>
             <a:ext uri="{909E8E84-426E-40dd-AFC4-6F175D3DCCD1}">
-              <a14:hiddenFill xmlns="" xmlns:a14="http://schemas.microsoft.com/office/drawing/2010/main">
+              <a14:hiddenFill xmlns:a14="http://schemas.microsoft.com/office/drawing/2010/main" xmlns="">
                 <a:solidFill>
                   <a:schemeClr val="accent1"/>
                 </a:solidFill>
               </a14:hiddenFill>
             </a:ext>
             <a:ext uri="{91240B29-F687-4f45-9708-019B960494DF}">
-              <a14:hiddenLine xmlns="" xmlns:a14="http://schemas.microsoft.com/office/drawing/2010/main" w="9525">
+              <a14:hiddenLine xmlns:a14="http://schemas.microsoft.com/office/drawing/2010/main" xmlns="" w="9525">
                 <a:solidFill>
                   <a:srgbClr val="000000"/>
                 </a:solidFill>
@@ -25145,7 +25230,7 @@
               </a14:hiddenLine>
             </a:ext>
             <a:ext uri="{AF507438-7753-43e0-B8FC-AC1667EBCBE1}">
-              <a14:hiddenEffects xmlns="" xmlns:a14="http://schemas.microsoft.com/office/drawing/2010/main">
+              <a14:hiddenEffects xmlns:a14="http://schemas.microsoft.com/office/drawing/2010/main" xmlns="">
                 <a:effectLst>
                   <a:outerShdw blurRad="63500" dist="38099" dir="2700000" algn="ctr" rotWithShape="0">
                     <a:schemeClr val="bg2">
@@ -25207,14 +25292,14 @@
           <a:effectLst/>
           <a:extLst>
             <a:ext uri="{909E8E84-426E-40dd-AFC4-6F175D3DCCD1}">
-              <a14:hiddenFill xmlns="" xmlns:a14="http://schemas.microsoft.com/office/drawing/2010/main">
+              <a14:hiddenFill xmlns:a14="http://schemas.microsoft.com/office/drawing/2010/main" xmlns="">
                 <a:solidFill>
                   <a:schemeClr val="accent1"/>
                 </a:solidFill>
               </a14:hiddenFill>
             </a:ext>
             <a:ext uri="{91240B29-F687-4f45-9708-019B960494DF}">
-              <a14:hiddenLine xmlns="" xmlns:a14="http://schemas.microsoft.com/office/drawing/2010/main" w="9525">
+              <a14:hiddenLine xmlns:a14="http://schemas.microsoft.com/office/drawing/2010/main" xmlns="" w="9525">
                 <a:solidFill>
                   <a:schemeClr val="tx1"/>
                 </a:solidFill>
@@ -25224,7 +25309,7 @@
               </a14:hiddenLine>
             </a:ext>
             <a:ext uri="{AF507438-7753-43e0-B8FC-AC1667EBCBE1}">
-              <a14:hiddenEffects xmlns="" xmlns:a14="http://schemas.microsoft.com/office/drawing/2010/main">
+              <a14:hiddenEffects xmlns:a14="http://schemas.microsoft.com/office/drawing/2010/main" xmlns="">
                 <a:effectLst>
                   <a:outerShdw blurRad="63500" dist="38099" dir="2700000" algn="ctr" rotWithShape="0">
                     <a:schemeClr val="bg2">
@@ -25444,14 +25529,14 @@
           <a:effectLst/>
           <a:extLst>
             <a:ext uri="{909E8E84-426E-40dd-AFC4-6F175D3DCCD1}">
-              <a14:hiddenFill xmlns="" xmlns:a14="http://schemas.microsoft.com/office/drawing/2010/main">
+              <a14:hiddenFill xmlns:a14="http://schemas.microsoft.com/office/drawing/2010/main" xmlns="">
                 <a:solidFill>
                   <a:schemeClr val="accent1"/>
                 </a:solidFill>
               </a14:hiddenFill>
             </a:ext>
             <a:ext uri="{91240B29-F687-4f45-9708-019B960494DF}">
-              <a14:hiddenLine xmlns="" xmlns:a14="http://schemas.microsoft.com/office/drawing/2010/main" w="9525">
+              <a14:hiddenLine xmlns:a14="http://schemas.microsoft.com/office/drawing/2010/main" xmlns="" w="9525">
                 <a:solidFill>
                   <a:srgbClr val="000000"/>
                 </a:solidFill>
@@ -25461,7 +25546,7 @@
               </a14:hiddenLine>
             </a:ext>
             <a:ext uri="{AF507438-7753-43e0-B8FC-AC1667EBCBE1}">
-              <a14:hiddenEffects xmlns="" xmlns:a14="http://schemas.microsoft.com/office/drawing/2010/main">
+              <a14:hiddenEffects xmlns:a14="http://schemas.microsoft.com/office/drawing/2010/main" xmlns="">
                 <a:effectLst>
                   <a:outerShdw blurRad="63500" dist="38099" dir="2700000" algn="ctr" rotWithShape="0">
                     <a:schemeClr val="bg2">
@@ -25523,14 +25608,14 @@
           <a:effectLst/>
           <a:extLst>
             <a:ext uri="{909E8E84-426E-40dd-AFC4-6F175D3DCCD1}">
-              <a14:hiddenFill xmlns="" xmlns:a14="http://schemas.microsoft.com/office/drawing/2010/main">
+              <a14:hiddenFill xmlns:a14="http://schemas.microsoft.com/office/drawing/2010/main" xmlns="">
                 <a:solidFill>
                   <a:schemeClr val="accent1"/>
                 </a:solidFill>
               </a14:hiddenFill>
             </a:ext>
             <a:ext uri="{91240B29-F687-4f45-9708-019B960494DF}">
-              <a14:hiddenLine xmlns="" xmlns:a14="http://schemas.microsoft.com/office/drawing/2010/main" w="9525">
+              <a14:hiddenLine xmlns:a14="http://schemas.microsoft.com/office/drawing/2010/main" xmlns="" w="9525">
                 <a:solidFill>
                   <a:schemeClr val="tx1"/>
                 </a:solidFill>
@@ -25540,7 +25625,7 @@
               </a14:hiddenLine>
             </a:ext>
             <a:ext uri="{AF507438-7753-43e0-B8FC-AC1667EBCBE1}">
-              <a14:hiddenEffects xmlns="" xmlns:a14="http://schemas.microsoft.com/office/drawing/2010/main">
+              <a14:hiddenEffects xmlns:a14="http://schemas.microsoft.com/office/drawing/2010/main" xmlns="">
                 <a:effectLst>
                   <a:outerShdw blurRad="63500" dist="38099" dir="2700000" algn="ctr" rotWithShape="0">
                     <a:schemeClr val="bg2">
@@ -25728,14 +25813,14 @@
           <a:effectLst/>
           <a:extLst>
             <a:ext uri="{909E8E84-426E-40dd-AFC4-6F175D3DCCD1}">
-              <a14:hiddenFill xmlns="" xmlns:a14="http://schemas.microsoft.com/office/drawing/2010/main">
+              <a14:hiddenFill xmlns:a14="http://schemas.microsoft.com/office/drawing/2010/main" xmlns="">
                 <a:solidFill>
                   <a:schemeClr val="accent1"/>
                 </a:solidFill>
               </a14:hiddenFill>
             </a:ext>
             <a:ext uri="{91240B29-F687-4f45-9708-019B960494DF}">
-              <a14:hiddenLine xmlns="" xmlns:a14="http://schemas.microsoft.com/office/drawing/2010/main" w="9525">
+              <a14:hiddenLine xmlns:a14="http://schemas.microsoft.com/office/drawing/2010/main" xmlns="" w="9525">
                 <a:solidFill>
                   <a:srgbClr val="000000"/>
                 </a:solidFill>
@@ -25745,7 +25830,7 @@
               </a14:hiddenLine>
             </a:ext>
             <a:ext uri="{AF507438-7753-43e0-B8FC-AC1667EBCBE1}">
-              <a14:hiddenEffects xmlns="" xmlns:a14="http://schemas.microsoft.com/office/drawing/2010/main">
+              <a14:hiddenEffects xmlns:a14="http://schemas.microsoft.com/office/drawing/2010/main" xmlns="">
                 <a:effectLst>
                   <a:outerShdw blurRad="63500" dist="38099" dir="2700000" algn="ctr" rotWithShape="0">
                     <a:schemeClr val="bg2">
@@ -25956,14 +26041,14 @@
           <a:effectLst/>
           <a:extLst>
             <a:ext uri="{909E8E84-426E-40dd-AFC4-6F175D3DCCD1}">
-              <a14:hiddenFill xmlns="" xmlns:a14="http://schemas.microsoft.com/office/drawing/2010/main">
+              <a14:hiddenFill xmlns:a14="http://schemas.microsoft.com/office/drawing/2010/main" xmlns="">
                 <a:solidFill>
                   <a:schemeClr val="accent1"/>
                 </a:solidFill>
               </a14:hiddenFill>
             </a:ext>
             <a:ext uri="{91240B29-F687-4f45-9708-019B960494DF}">
-              <a14:hiddenLine xmlns="" xmlns:a14="http://schemas.microsoft.com/office/drawing/2010/main" w="9525">
+              <a14:hiddenLine xmlns:a14="http://schemas.microsoft.com/office/drawing/2010/main" xmlns="" w="9525">
                 <a:solidFill>
                   <a:srgbClr val="000000"/>
                 </a:solidFill>
@@ -25973,7 +26058,7 @@
               </a14:hiddenLine>
             </a:ext>
             <a:ext uri="{AF507438-7753-43e0-B8FC-AC1667EBCBE1}">
-              <a14:hiddenEffects xmlns="" xmlns:a14="http://schemas.microsoft.com/office/drawing/2010/main">
+              <a14:hiddenEffects xmlns:a14="http://schemas.microsoft.com/office/drawing/2010/main" xmlns="">
                 <a:effectLst>
                   <a:outerShdw blurRad="63500" dist="38099" dir="2700000" algn="ctr" rotWithShape="0">
                     <a:schemeClr val="bg2">
@@ -26178,14 +26263,14 @@
           <a:effectLst/>
           <a:extLst>
             <a:ext uri="{909E8E84-426E-40dd-AFC4-6F175D3DCCD1}">
-              <a14:hiddenFill xmlns="" xmlns:a14="http://schemas.microsoft.com/office/drawing/2010/main">
+              <a14:hiddenFill xmlns:a14="http://schemas.microsoft.com/office/drawing/2010/main" xmlns="">
                 <a:solidFill>
                   <a:schemeClr val="accent1"/>
                 </a:solidFill>
               </a14:hiddenFill>
             </a:ext>
             <a:ext uri="{91240B29-F687-4f45-9708-019B960494DF}">
-              <a14:hiddenLine xmlns="" xmlns:a14="http://schemas.microsoft.com/office/drawing/2010/main" w="9525">
+              <a14:hiddenLine xmlns:a14="http://schemas.microsoft.com/office/drawing/2010/main" xmlns="" w="9525">
                 <a:solidFill>
                   <a:srgbClr val="000000"/>
                 </a:solidFill>
@@ -26195,7 +26280,7 @@
               </a14:hiddenLine>
             </a:ext>
             <a:ext uri="{AF507438-7753-43e0-B8FC-AC1667EBCBE1}">
-              <a14:hiddenEffects xmlns="" xmlns:a14="http://schemas.microsoft.com/office/drawing/2010/main">
+              <a14:hiddenEffects xmlns:a14="http://schemas.microsoft.com/office/drawing/2010/main" xmlns="">
                 <a:effectLst>
                   <a:outerShdw blurRad="63500" dist="38099" dir="2700000" algn="ctr" rotWithShape="0">
                     <a:schemeClr val="bg2">
@@ -26370,14 +26455,14 @@
           <a:effectLst/>
           <a:extLst>
             <a:ext uri="{909E8E84-426E-40dd-AFC4-6F175D3DCCD1}">
-              <a14:hiddenFill xmlns="" xmlns:a14="http://schemas.microsoft.com/office/drawing/2010/main">
+              <a14:hiddenFill xmlns:a14="http://schemas.microsoft.com/office/drawing/2010/main" xmlns="">
                 <a:solidFill>
                   <a:schemeClr val="accent1"/>
                 </a:solidFill>
               </a14:hiddenFill>
             </a:ext>
             <a:ext uri="{91240B29-F687-4f45-9708-019B960494DF}">
-              <a14:hiddenLine xmlns="" xmlns:a14="http://schemas.microsoft.com/office/drawing/2010/main" w="9525">
+              <a14:hiddenLine xmlns:a14="http://schemas.microsoft.com/office/drawing/2010/main" xmlns="" w="9525">
                 <a:solidFill>
                   <a:srgbClr val="000000"/>
                 </a:solidFill>
@@ -26387,7 +26472,7 @@
               </a14:hiddenLine>
             </a:ext>
             <a:ext uri="{AF507438-7753-43e0-B8FC-AC1667EBCBE1}">
-              <a14:hiddenEffects xmlns="" xmlns:a14="http://schemas.microsoft.com/office/drawing/2010/main">
+              <a14:hiddenEffects xmlns:a14="http://schemas.microsoft.com/office/drawing/2010/main" xmlns="">
                 <a:effectLst>
                   <a:outerShdw blurRad="63500" dist="38099" dir="2700000" algn="ctr" rotWithShape="0">
                     <a:schemeClr val="bg2">
@@ -26657,14 +26742,14 @@
           <a:effectLst/>
           <a:extLst>
             <a:ext uri="{909E8E84-426E-40dd-AFC4-6F175D3DCCD1}">
-              <a14:hiddenFill xmlns="" xmlns:a14="http://schemas.microsoft.com/office/drawing/2010/main">
+              <a14:hiddenFill xmlns:a14="http://schemas.microsoft.com/office/drawing/2010/main" xmlns="">
                 <a:solidFill>
                   <a:schemeClr val="accent1"/>
                 </a:solidFill>
               </a14:hiddenFill>
             </a:ext>
             <a:ext uri="{91240B29-F687-4f45-9708-019B960494DF}">
-              <a14:hiddenLine xmlns="" xmlns:a14="http://schemas.microsoft.com/office/drawing/2010/main" w="9525">
+              <a14:hiddenLine xmlns:a14="http://schemas.microsoft.com/office/drawing/2010/main" xmlns="" w="9525">
                 <a:solidFill>
                   <a:srgbClr val="000000"/>
                 </a:solidFill>
@@ -26674,7 +26759,7 @@
               </a14:hiddenLine>
             </a:ext>
             <a:ext uri="{AF507438-7753-43e0-B8FC-AC1667EBCBE1}">
-              <a14:hiddenEffects xmlns="" xmlns:a14="http://schemas.microsoft.com/office/drawing/2010/main">
+              <a14:hiddenEffects xmlns:a14="http://schemas.microsoft.com/office/drawing/2010/main" xmlns="">
                 <a:effectLst>
                   <a:outerShdw blurRad="63500" dist="38099" dir="2700000" algn="ctr" rotWithShape="0">
                     <a:schemeClr val="bg2">
@@ -26735,14 +26820,14 @@
           <a:effectLst/>
           <a:extLst>
             <a:ext uri="{909E8E84-426E-40dd-AFC4-6F175D3DCCD1}">
-              <a14:hiddenFill xmlns="" xmlns:a14="http://schemas.microsoft.com/office/drawing/2010/main">
+              <a14:hiddenFill xmlns:a14="http://schemas.microsoft.com/office/drawing/2010/main" xmlns="">
                 <a:solidFill>
                   <a:schemeClr val="accent1"/>
                 </a:solidFill>
               </a14:hiddenFill>
             </a:ext>
             <a:ext uri="{91240B29-F687-4f45-9708-019B960494DF}">
-              <a14:hiddenLine xmlns="" xmlns:a14="http://schemas.microsoft.com/office/drawing/2010/main" w="9525">
+              <a14:hiddenLine xmlns:a14="http://schemas.microsoft.com/office/drawing/2010/main" xmlns="" w="9525">
                 <a:solidFill>
                   <a:srgbClr val="000000"/>
                 </a:solidFill>
@@ -26752,7 +26837,7 @@
               </a14:hiddenLine>
             </a:ext>
             <a:ext uri="{AF507438-7753-43e0-B8FC-AC1667EBCBE1}">
-              <a14:hiddenEffects xmlns="" xmlns:a14="http://schemas.microsoft.com/office/drawing/2010/main">
+              <a14:hiddenEffects xmlns:a14="http://schemas.microsoft.com/office/drawing/2010/main" xmlns="">
                 <a:effectLst>
                   <a:outerShdw blurRad="63500" dist="38099" dir="2700000" algn="ctr" rotWithShape="0">
                     <a:schemeClr val="bg2">
@@ -26933,14 +27018,14 @@
           <a:effectLst/>
           <a:extLst>
             <a:ext uri="{909E8E84-426E-40dd-AFC4-6F175D3DCCD1}">
-              <a14:hiddenFill xmlns="" xmlns:a14="http://schemas.microsoft.com/office/drawing/2010/main">
+              <a14:hiddenFill xmlns:a14="http://schemas.microsoft.com/office/drawing/2010/main" xmlns="">
                 <a:solidFill>
                   <a:schemeClr val="accent1"/>
                 </a:solidFill>
               </a14:hiddenFill>
             </a:ext>
             <a:ext uri="{91240B29-F687-4f45-9708-019B960494DF}">
-              <a14:hiddenLine xmlns="" xmlns:a14="http://schemas.microsoft.com/office/drawing/2010/main" w="9525">
+              <a14:hiddenLine xmlns:a14="http://schemas.microsoft.com/office/drawing/2010/main" xmlns="" w="9525">
                 <a:solidFill>
                   <a:srgbClr val="000000"/>
                 </a:solidFill>
@@ -26950,7 +27035,7 @@
               </a14:hiddenLine>
             </a:ext>
             <a:ext uri="{AF507438-7753-43e0-B8FC-AC1667EBCBE1}">
-              <a14:hiddenEffects xmlns="" xmlns:a14="http://schemas.microsoft.com/office/drawing/2010/main">
+              <a14:hiddenEffects xmlns:a14="http://schemas.microsoft.com/office/drawing/2010/main" xmlns="">
                 <a:effectLst>
                   <a:outerShdw blurRad="63500" dist="38099" dir="2700000" algn="ctr" rotWithShape="0">
                     <a:schemeClr val="bg2">
@@ -28382,6 +28467,15 @@
               </a:rPr>
               <a:t>这两个类必须同时使用，所以它们除了不带参数的构造器外，互为构造器中的参数。</a:t>
             </a:r>
+            <a:r>
+              <a:rPr lang="zh-CN" altLang="en-US" dirty="0">
+                <a:sym typeface="Arial" charset="0"/>
+              </a:rPr>
+              <a:t>（两种方法，自行百度）</a:t>
+            </a:r>
+            <a:endParaRPr lang="zh-CN" altLang="zh-CN" dirty="0">
+              <a:sym typeface="Arial" charset="0"/>
+            </a:endParaRPr>
           </a:p>
           <a:p>
             <a:pPr lvl="1"/>
@@ -28431,14 +28525,14 @@
           <a:effectLst/>
           <a:extLst>
             <a:ext uri="{909E8E84-426E-40dd-AFC4-6F175D3DCCD1}">
-              <a14:hiddenFill xmlns="" xmlns:a14="http://schemas.microsoft.com/office/drawing/2010/main">
+              <a14:hiddenFill xmlns:a14="http://schemas.microsoft.com/office/drawing/2010/main" xmlns="">
                 <a:solidFill>
                   <a:schemeClr val="accent1"/>
                 </a:solidFill>
               </a14:hiddenFill>
             </a:ext>
             <a:ext uri="{91240B29-F687-4f45-9708-019B960494DF}">
-              <a14:hiddenLine xmlns="" xmlns:a14="http://schemas.microsoft.com/office/drawing/2010/main" w="9525">
+              <a14:hiddenLine xmlns:a14="http://schemas.microsoft.com/office/drawing/2010/main" xmlns="" w="9525">
                 <a:solidFill>
                   <a:srgbClr val="000000"/>
                 </a:solidFill>
@@ -28448,7 +28542,7 @@
               </a14:hiddenLine>
             </a:ext>
             <a:ext uri="{AF507438-7753-43e0-B8FC-AC1667EBCBE1}">
-              <a14:hiddenEffects xmlns="" xmlns:a14="http://schemas.microsoft.com/office/drawing/2010/main">
+              <a14:hiddenEffects xmlns:a14="http://schemas.microsoft.com/office/drawing/2010/main" xmlns="">
                 <a:effectLst>
                   <a:outerShdw blurRad="63500" dist="38099" dir="2700000" algn="ctr" rotWithShape="0">
                     <a:schemeClr val="bg2">
@@ -29782,7 +29876,15 @@
             </a:pPr>
             <a:r>
               <a:rPr lang="zh-CN" sz="2000" dirty="0"/>
-              <a:t>      gen.stop();</a:t>
+              <a:t>      </a:t>
+            </a:r>
+            <a:r>
+              <a:rPr lang="en-US" altLang="zh-CN" sz="2000" dirty="0"/>
+              <a:t>//</a:t>
+            </a:r>
+            <a:r>
+              <a:rPr lang="zh-CN" sz="2000" dirty="0"/>
+              <a:t>gen.stop();</a:t>
             </a:r>
           </a:p>
           <a:p>
@@ -29794,8 +29896,33 @@
             </a:pPr>
             <a:r>
               <a:rPr lang="zh-CN" sz="2000" dirty="0"/>
-              <a:t>      avg.stop();</a:t>
-            </a:r>
+              <a:t>      </a:t>
+            </a:r>
+            <a:r>
+              <a:rPr lang="en-US" altLang="zh-CN" sz="2000" dirty="0"/>
+              <a:t>//</a:t>
+            </a:r>
+            <a:r>
+              <a:rPr lang="zh-CN" sz="2000" dirty="0"/>
+              <a:t>avg.stop();</a:t>
+            </a:r>
+            <a:r>
+              <a:rPr lang="en-US" altLang="zh-CN" sz="2000" dirty="0"/>
+              <a:t>//</a:t>
+            </a:r>
+            <a:r>
+              <a:rPr lang="zh-CN" altLang="en-US" sz="2000" dirty="0"/>
+              <a:t>过时的</a:t>
+            </a:r>
+            <a:r>
+              <a:rPr lang="en-US" altLang="zh-CN" sz="2000" dirty="0"/>
+              <a:t>API</a:t>
+            </a:r>
+            <a:r>
+              <a:rPr lang="zh-CN" altLang="en-US" sz="2000"/>
+              <a:t>，不建议使用</a:t>
+            </a:r>
+            <a:endParaRPr lang="zh-CN" sz="2000" dirty="0"/>
           </a:p>
         </p:txBody>
       </p:sp>
@@ -29966,14 +30093,14 @@
           <a:effectLst/>
           <a:extLst>
             <a:ext uri="{909E8E84-426E-40dd-AFC4-6F175D3DCCD1}">
-              <a14:hiddenFill xmlns="" xmlns:a14="http://schemas.microsoft.com/office/drawing/2010/main">
+              <a14:hiddenFill xmlns:a14="http://schemas.microsoft.com/office/drawing/2010/main" xmlns="">
                 <a:solidFill>
                   <a:schemeClr val="accent1"/>
                 </a:solidFill>
               </a14:hiddenFill>
             </a:ext>
             <a:ext uri="{91240B29-F687-4f45-9708-019B960494DF}">
-              <a14:hiddenLine xmlns="" xmlns:a14="http://schemas.microsoft.com/office/drawing/2010/main" w="9525">
+              <a14:hiddenLine xmlns:a14="http://schemas.microsoft.com/office/drawing/2010/main" xmlns="" w="9525">
                 <a:solidFill>
                   <a:srgbClr val="000000"/>
                 </a:solidFill>
@@ -29983,7 +30110,7 @@
               </a14:hiddenLine>
             </a:ext>
             <a:ext uri="{AF507438-7753-43e0-B8FC-AC1667EBCBE1}">
-              <a14:hiddenEffects xmlns="" xmlns:a14="http://schemas.microsoft.com/office/drawing/2010/main">
+              <a14:hiddenEffects xmlns:a14="http://schemas.microsoft.com/office/drawing/2010/main" xmlns="">
                 <a:effectLst>
                   <a:outerShdw blurRad="63500" dist="38099" dir="2700000" algn="ctr" rotWithShape="0">
                     <a:schemeClr val="bg2">
@@ -33572,14 +33699,14 @@
           <a:effectLst/>
           <a:extLst>
             <a:ext uri="{909E8E84-426E-40dd-AFC4-6F175D3DCCD1}">
-              <a14:hiddenFill xmlns="" xmlns:a14="http://schemas.microsoft.com/office/drawing/2010/main">
+              <a14:hiddenFill xmlns:a14="http://schemas.microsoft.com/office/drawing/2010/main" xmlns="">
                 <a:solidFill>
                   <a:schemeClr val="accent1"/>
                 </a:solidFill>
               </a14:hiddenFill>
             </a:ext>
             <a:ext uri="{91240B29-F687-4f45-9708-019B960494DF}">
-              <a14:hiddenLine xmlns="" xmlns:a14="http://schemas.microsoft.com/office/drawing/2010/main" w="9525">
+              <a14:hiddenLine xmlns:a14="http://schemas.microsoft.com/office/drawing/2010/main" xmlns="" w="9525">
                 <a:solidFill>
                   <a:srgbClr val="000000"/>
                 </a:solidFill>
@@ -33589,7 +33716,7 @@
               </a14:hiddenLine>
             </a:ext>
             <a:ext uri="{AF507438-7753-43e0-B8FC-AC1667EBCBE1}">
-              <a14:hiddenEffects xmlns="" xmlns:a14="http://schemas.microsoft.com/office/drawing/2010/main">
+              <a14:hiddenEffects xmlns:a14="http://schemas.microsoft.com/office/drawing/2010/main" xmlns="">
                 <a:effectLst>
                   <a:outerShdw blurRad="63500" dist="38099" dir="2700000" algn="ctr" rotWithShape="0">
                     <a:schemeClr val="bg2">
@@ -33773,14 +33900,14 @@
           <a:effectLst/>
           <a:extLst>
             <a:ext uri="{909E8E84-426E-40dd-AFC4-6F175D3DCCD1}">
-              <a14:hiddenFill xmlns="" xmlns:a14="http://schemas.microsoft.com/office/drawing/2010/main">
+              <a14:hiddenFill xmlns:a14="http://schemas.microsoft.com/office/drawing/2010/main" xmlns="">
                 <a:solidFill>
                   <a:schemeClr val="accent1"/>
                 </a:solidFill>
               </a14:hiddenFill>
             </a:ext>
             <a:ext uri="{91240B29-F687-4f45-9708-019B960494DF}">
-              <a14:hiddenLine xmlns="" xmlns:a14="http://schemas.microsoft.com/office/drawing/2010/main" w="9525">
+              <a14:hiddenLine xmlns:a14="http://schemas.microsoft.com/office/drawing/2010/main" xmlns="" w="9525">
                 <a:solidFill>
                   <a:srgbClr val="000000"/>
                 </a:solidFill>
@@ -33790,7 +33917,7 @@
               </a14:hiddenLine>
             </a:ext>
             <a:ext uri="{AF507438-7753-43e0-B8FC-AC1667EBCBE1}">
-              <a14:hiddenEffects xmlns="" xmlns:a14="http://schemas.microsoft.com/office/drawing/2010/main">
+              <a14:hiddenEffects xmlns:a14="http://schemas.microsoft.com/office/drawing/2010/main" xmlns="">
                 <a:effectLst>
                   <a:outerShdw blurRad="63500" dist="38099" dir="2700000" algn="ctr" rotWithShape="0">
                     <a:schemeClr val="bg2">
@@ -33852,14 +33979,14 @@
           <a:effectLst/>
           <a:extLst>
             <a:ext uri="{909E8E84-426E-40dd-AFC4-6F175D3DCCD1}">
-              <a14:hiddenFill xmlns="" xmlns:a14="http://schemas.microsoft.com/office/drawing/2010/main">
+              <a14:hiddenFill xmlns:a14="http://schemas.microsoft.com/office/drawing/2010/main" xmlns="">
                 <a:solidFill>
                   <a:schemeClr val="accent1"/>
                 </a:solidFill>
               </a14:hiddenFill>
             </a:ext>
             <a:ext uri="{91240B29-F687-4f45-9708-019B960494DF}">
-              <a14:hiddenLine xmlns="" xmlns:a14="http://schemas.microsoft.com/office/drawing/2010/main" w="9525">
+              <a14:hiddenLine xmlns:a14="http://schemas.microsoft.com/office/drawing/2010/main" xmlns="" w="9525">
                 <a:solidFill>
                   <a:schemeClr val="tx1"/>
                 </a:solidFill>
@@ -33869,7 +33996,7 @@
               </a14:hiddenLine>
             </a:ext>
             <a:ext uri="{AF507438-7753-43e0-B8FC-AC1667EBCBE1}">
-              <a14:hiddenEffects xmlns="" xmlns:a14="http://schemas.microsoft.com/office/drawing/2010/main">
+              <a14:hiddenEffects xmlns:a14="http://schemas.microsoft.com/office/drawing/2010/main" xmlns="">
                 <a:effectLst>
                   <a:outerShdw blurRad="63500" dist="38099" dir="2700000" algn="ctr" rotWithShape="0">
                     <a:schemeClr val="bg2">
